--- a/presentation/Simulated-Annealing - Ryan HS.pptx
+++ b/presentation/Simulated-Annealing - Ryan HS.pptx
@@ -10,8 +10,9 @@
     <p:sldId id="256" r:id="rId5"/>
     <p:sldId id="257" r:id="rId6"/>
     <p:sldId id="262" r:id="rId7"/>
-    <p:sldId id="259" r:id="rId8"/>
-    <p:sldId id="260" r:id="rId9"/>
+    <p:sldId id="260" r:id="rId8"/>
+    <p:sldId id="259" r:id="rId9"/>
+    <p:sldId id="265" r:id="rId10"/>
   </p:sldIdLst>
   <p:sldSz cx="12192000" cy="6858000"/>
   <p:notesSz cx="7559675" cy="10691495"/>
@@ -5114,6 +5115,118 @@
 </file>
 
 <file path=ppt/slides/slide4.xml><?xml version="1.0" encoding="utf-8"?>
+<p:sld xmlns:a="http://schemas.openxmlformats.org/drawingml/2006/main" xmlns:r="http://schemas.openxmlformats.org/officeDocument/2006/relationships" xmlns:p="http://schemas.openxmlformats.org/presentationml/2006/main">
+  <p:cSld>
+    <p:spTree>
+      <p:nvGrpSpPr>
+        <p:cNvPr id="1" name=""/>
+        <p:cNvGrpSpPr/>
+        <p:nvPr/>
+      </p:nvGrpSpPr>
+      <p:grpSpPr>
+        <a:xfrm>
+          <a:off x="0" y="0"/>
+          <a:ext cx="0" cy="0"/>
+          <a:chOff x="0" y="0"/>
+          <a:chExt cx="0" cy="0"/>
+        </a:xfrm>
+      </p:grpSpPr>
+      <p:sp>
+        <p:nvSpPr>
+          <p:cNvPr id="91" name="CustomShape 1"/>
+          <p:cNvSpPr/>
+          <p:nvPr/>
+        </p:nvSpPr>
+        <p:spPr>
+          <a:xfrm>
+            <a:off x="239400" y="6365880"/>
+            <a:ext cx="9483840" cy="303480"/>
+          </a:xfrm>
+          <a:prstGeom prst="rect">
+            <a:avLst/>
+          </a:prstGeom>
+          <a:noFill/>
+          <a:ln>
+            <a:noFill/>
+          </a:ln>
+        </p:spPr>
+        <p:style>
+          <a:lnRef idx="0">
+            <a:srgbClr val="FFFFFF"/>
+          </a:lnRef>
+          <a:fillRef idx="0">
+            <a:srgbClr val="FFFFFF"/>
+          </a:fillRef>
+          <a:effectRef idx="0">
+            <a:srgbClr val="FFFFFF"/>
+          </a:effectRef>
+          <a:fontRef idx="minor"/>
+        </p:style>
+        <p:txBody>
+          <a:bodyPr wrap="none" lIns="90000" tIns="45000" rIns="90000" bIns="45000"/>
+          <a:p>
+            <a:pPr>
+              <a:lnSpc>
+                <a:spcPct val="100000"/>
+              </a:lnSpc>
+            </a:pPr>
+            <a:r>
+              <a:rPr lang="en-US" sz="1400" i="1" strike="noStrike" spc="-1">
+                <a:solidFill>
+                  <a:srgbClr val="2980B9"/>
+                </a:solidFill>
+                <a:uFill>
+                  <a:solidFill>
+                    <a:srgbClr val="FFFFFF"/>
+                  </a:solidFill>
+                </a:uFill>
+                <a:latin typeface="Calibri"/>
+              </a:rPr>
+              <a:t>Image from: http://toddwschneider.com/posts/traveling-salesman-with-simulated-annealing-r-and-shiny/</a:t>
+            </a:r>
+          </a:p>
+        </p:txBody>
+      </p:sp>
+      <p:pic>
+        <p:nvPicPr>
+          <p:cNvPr id="2" name="Picture 1" descr="0e1ca854cbc30f33abc46108f2ba38f2.640x640x42"/>
+          <p:cNvPicPr>
+            <a:picLocks noChangeAspect="1"/>
+          </p:cNvPicPr>
+          <p:nvPr/>
+        </p:nvPicPr>
+        <p:blipFill>
+          <a:blip r:embed="rId1"/>
+          <a:stretch>
+            <a:fillRect/>
+          </a:stretch>
+        </p:blipFill>
+        <p:spPr>
+          <a:xfrm>
+            <a:off x="2888615" y="258445"/>
+            <a:ext cx="6095365" cy="6095365"/>
+          </a:xfrm>
+          <a:prstGeom prst="rect">
+            <a:avLst/>
+          </a:prstGeom>
+        </p:spPr>
+      </p:pic>
+    </p:spTree>
+  </p:cSld>
+  <p:clrMapOvr>
+    <a:masterClrMapping/>
+  </p:clrMapOvr>
+  <p:timing>
+    <p:tnLst>
+      <p:par>
+        <p:cTn id="1" dur="indefinite" restart="never" nodeType="tmRoot"/>
+      </p:par>
+    </p:tnLst>
+  </p:timing>
+</p:sld>
+</file>
+
+<file path=ppt/slides/slide5.xml><?xml version="1.0" encoding="utf-8"?>
 <p:sld xmlns:a="http://schemas.openxmlformats.org/drawingml/2006/main" xmlns:r="http://schemas.openxmlformats.org/officeDocument/2006/relationships" xmlns:p="http://schemas.openxmlformats.org/presentationml/2006/main">
   <p:cSld>
     <p:spTree>
@@ -5683,7 +5796,7 @@
 </p:sld>
 </file>
 
-<file path=ppt/slides/slide5.xml><?xml version="1.0" encoding="utf-8"?>
+<file path=ppt/slides/slide6.xml><?xml version="1.0" encoding="utf-8"?>
 <p:sld xmlns:a="http://schemas.openxmlformats.org/drawingml/2006/main" xmlns:r="http://schemas.openxmlformats.org/officeDocument/2006/relationships" xmlns:p="http://schemas.openxmlformats.org/presentationml/2006/main">
   <p:cSld>
     <p:spTree>
@@ -5702,14 +5815,14 @@
       </p:grpSpPr>
       <p:sp>
         <p:nvSpPr>
-          <p:cNvPr id="91" name="CustomShape 1"/>
+          <p:cNvPr id="87" name="CustomShape 1"/>
           <p:cNvSpPr/>
           <p:nvPr/>
         </p:nvSpPr>
         <p:spPr>
           <a:xfrm>
-            <a:off x="239400" y="6365880"/>
-            <a:ext cx="9483840" cy="303480"/>
+            <a:off x="565775" y="433770"/>
+            <a:ext cx="9467640" cy="699840"/>
           </a:xfrm>
           <a:prstGeom prst="rect">
             <a:avLst/>
@@ -5732,17 +5845,22 @@
           <a:fontRef idx="minor"/>
         </p:style>
         <p:txBody>
-          <a:bodyPr wrap="none" lIns="90000" tIns="45000" rIns="90000" bIns="45000"/>
+          <a:bodyPr lIns="90000" tIns="45000" rIns="90000" bIns="45000"/>
           <a:p>
-            <a:pPr>
+            <a:pPr marL="285750" indent="-285750">
               <a:lnSpc>
                 <a:spcPct val="100000"/>
               </a:lnSpc>
+              <a:buClr>
+                <a:srgbClr val="E74C3C"/>
+              </a:buClr>
+              <a:buFont typeface="Arial" panose="02080604020202020204" charset="0"/>
+              <a:buChar char="•"/>
             </a:pPr>
             <a:r>
-              <a:rPr lang="en-US" sz="1400" i="1" strike="noStrike" spc="-1">
+              <a:rPr lang="en-US" sz="4000" strike="noStrike" spc="-1">
                 <a:solidFill>
-                  <a:srgbClr val="2980B9"/>
+                  <a:srgbClr val="E74C3C"/>
                 </a:solidFill>
                 <a:uFill>
                   <a:solidFill>
@@ -5751,35 +5869,965 @@
                 </a:uFill>
                 <a:latin typeface="Calibri"/>
               </a:rPr>
-              <a:t>Image from: http://toddwschneider.com/posts/traveling-salesman-with-simulated-annealing-r-and-shiny/</a:t>
+              <a:t> Algorithm </a:t>
             </a:r>
+            <a:r>
+              <a:rPr lang="x-none" altLang="en-US" sz="4000" strike="noStrike" spc="-1">
+                <a:solidFill>
+                  <a:srgbClr val="E74C3C"/>
+                </a:solidFill>
+                <a:uFill>
+                  <a:solidFill>
+                    <a:srgbClr val="FFFFFF"/>
+                  </a:solidFill>
+                </a:uFill>
+                <a:latin typeface="Calibri"/>
+              </a:rPr>
+              <a:t>- </a:t>
+            </a:r>
+            <a:r>
+              <a:rPr lang="x-none" altLang="en-US" sz="4000" strike="noStrike" spc="-1">
+                <a:solidFill>
+                  <a:srgbClr val="E74C3C"/>
+                </a:solidFill>
+                <a:uFill>
+                  <a:solidFill>
+                    <a:srgbClr val="FFFFFF"/>
+                  </a:solidFill>
+                </a:uFill>
+                <a:latin typeface="Calibri"/>
+              </a:rPr>
+              <a:t>S</a:t>
+            </a:r>
+            <a:r>
+              <a:rPr lang="x-none" altLang="en-US" sz="4000" strike="noStrike" spc="-1">
+                <a:solidFill>
+                  <a:srgbClr val="E74C3C"/>
+                </a:solidFill>
+                <a:uFill>
+                  <a:solidFill>
+                    <a:srgbClr val="FFFFFF"/>
+                  </a:solidFill>
+                </a:uFill>
+                <a:latin typeface="Calibri"/>
+              </a:rPr>
+              <a:t>implified</a:t>
+            </a:r>
+            <a:endParaRPr lang="x-none" altLang="en-US" sz="4000" strike="noStrike" spc="-1">
+              <a:solidFill>
+                <a:srgbClr val="E74C3C"/>
+              </a:solidFill>
+              <a:uFill>
+                <a:solidFill>
+                  <a:srgbClr val="FFFFFF"/>
+                </a:solidFill>
+              </a:uFill>
+              <a:latin typeface="Calibri"/>
+            </a:endParaRPr>
           </a:p>
         </p:txBody>
       </p:sp>
-      <p:pic>
-        <p:nvPicPr>
-          <p:cNvPr id="2" name="Picture 1" descr="0e1ca854cbc30f33abc46108f2ba38f2.640x640x42"/>
-          <p:cNvPicPr>
-            <a:picLocks noChangeAspect="1"/>
-          </p:cNvPicPr>
+      <p:sp>
+        <p:nvSpPr>
+          <p:cNvPr id="88" name="CustomShape 2"/>
+          <p:cNvSpPr/>
           <p:nvPr/>
-        </p:nvPicPr>
-        <p:blipFill>
-          <a:blip r:embed="rId1"/>
-          <a:stretch>
-            <a:fillRect/>
-          </a:stretch>
-        </p:blipFill>
-        <p:spPr>
-          <a:xfrm>
-            <a:off x="2888615" y="258445"/>
-            <a:ext cx="6095365" cy="6095365"/>
-          </a:xfrm>
-          <a:prstGeom prst="rect">
-            <a:avLst/>
-          </a:prstGeom>
-        </p:spPr>
-      </p:pic>
+        </p:nvSpPr>
+        <p:spPr>
+          <a:xfrm>
+            <a:off x="603250" y="1631950"/>
+            <a:ext cx="3683635" cy="2647315"/>
+          </a:xfrm>
+          <a:prstGeom prst="rect">
+            <a:avLst/>
+          </a:prstGeom>
+          <a:noFill/>
+          <a:ln>
+            <a:noFill/>
+          </a:ln>
+          <a:extLst>
+            <a:ext uri="{909E8E84-426E-40DD-AFC4-6F175D3DCCD1}">
+              <a14:hiddenFill xmlns:a14="http://schemas.microsoft.com/office/drawing/2010/main">
+                <a:solidFill>
+                  <a:schemeClr val="lt1"/>
+                </a:solidFill>
+              </a14:hiddenFill>
+            </a:ext>
+          </a:extLst>
+        </p:spPr>
+        <p:style>
+          <a:lnRef idx="2">
+            <a:schemeClr val="dk1"/>
+          </a:lnRef>
+          <a:fillRef idx="1">
+            <a:schemeClr val="lt1"/>
+          </a:fillRef>
+          <a:effectRef idx="0">
+            <a:schemeClr val="dk1"/>
+          </a:effectRef>
+          <a:fontRef idx="minor">
+            <a:schemeClr val="dk1"/>
+          </a:fontRef>
+        </p:style>
+        <p:txBody>
+          <a:bodyPr lIns="90000" tIns="45000" rIns="90000" bIns="45000"/>
+          <a:p>
+            <a:pPr marL="342900" indent="-342900">
+              <a:lnSpc>
+                <a:spcPct val="100000"/>
+              </a:lnSpc>
+              <a:buClr>
+                <a:srgbClr val="2C3E50"/>
+              </a:buClr>
+              <a:buFont typeface="StarSymbol"/>
+              <a:buAutoNum type="arabicPeriod"/>
+            </a:pPr>
+            <a:r>
+              <a:rPr lang="x-none" sz="1600"/>
+              <a:t>tentukan temperatur</a:t>
+            </a:r>
+            <a:endParaRPr lang="x-none" sz="1600"/>
+          </a:p>
+          <a:p>
+            <a:pPr marL="342900" indent="-342900">
+              <a:lnSpc>
+                <a:spcPct val="100000"/>
+              </a:lnSpc>
+              <a:buClr>
+                <a:srgbClr val="2C3E50"/>
+              </a:buClr>
+              <a:buFont typeface="StarSymbol"/>
+              <a:buAutoNum type="arabicPeriod"/>
+            </a:pPr>
+            <a:r>
+              <a:rPr lang="x-none" sz="1600"/>
+              <a:t>random solusi</a:t>
+            </a:r>
+            <a:endParaRPr lang="x-none" sz="1600"/>
+          </a:p>
+          <a:p>
+            <a:pPr marL="342900" indent="-342900">
+              <a:lnSpc>
+                <a:spcPct val="100000"/>
+              </a:lnSpc>
+              <a:buClr>
+                <a:srgbClr val="2C3E50"/>
+              </a:buClr>
+              <a:buFont typeface="StarSymbol"/>
+              <a:buAutoNum type="arabicPeriod"/>
+            </a:pPr>
+            <a:r>
+              <a:rPr lang="x-none" sz="1600"/>
+              <a:t>tentukan peubah solusi</a:t>
+            </a:r>
+            <a:endParaRPr lang="x-none" sz="1600"/>
+          </a:p>
+          <a:p>
+            <a:pPr marL="342900" indent="-342900">
+              <a:lnSpc>
+                <a:spcPct val="100000"/>
+              </a:lnSpc>
+              <a:buClr>
+                <a:srgbClr val="2C3E50"/>
+              </a:buClr>
+              <a:buFont typeface="StarSymbol"/>
+              <a:buAutoNum type="arabicPeriod"/>
+            </a:pPr>
+            <a:r>
+              <a:rPr lang="x-none" sz="1600"/>
+              <a:t>tentukan penilai solusi</a:t>
+            </a:r>
+            <a:endParaRPr lang="x-none" sz="1600"/>
+          </a:p>
+          <a:p>
+            <a:pPr marL="342900" indent="-342900">
+              <a:lnSpc>
+                <a:spcPct val="100000"/>
+              </a:lnSpc>
+              <a:buClr>
+                <a:srgbClr val="2C3E50"/>
+              </a:buClr>
+              <a:buFont typeface="StarSymbol"/>
+              <a:buAutoNum type="arabicPeriod"/>
+            </a:pPr>
+            <a:r>
+              <a:rPr lang="x-none" sz="1600"/>
+              <a:t>tulis algoritma</a:t>
+            </a:r>
+            <a:endParaRPr lang="x-none" sz="1600"/>
+          </a:p>
+          <a:p>
+            <a:pPr marL="342900" indent="-342900">
+              <a:lnSpc>
+                <a:spcPct val="100000"/>
+              </a:lnSpc>
+              <a:buClr>
+                <a:srgbClr val="2C3E50"/>
+              </a:buClr>
+              <a:buFont typeface="StarSymbol"/>
+              <a:buAutoNum type="arabicPeriod"/>
+            </a:pPr>
+            <a:r>
+              <a:rPr lang="x-none" sz="1600"/>
+              <a:t>tentukan peubah temperatur</a:t>
+            </a:r>
+            <a:endParaRPr lang="x-none" sz="1600"/>
+          </a:p>
+          <a:p>
+            <a:pPr marL="342900" indent="-342900">
+              <a:lnSpc>
+                <a:spcPct val="100000"/>
+              </a:lnSpc>
+              <a:buClr>
+                <a:srgbClr val="2C3E50"/>
+              </a:buClr>
+              <a:buFont typeface="StarSymbol"/>
+              <a:buAutoNum type="arabicPeriod"/>
+            </a:pPr>
+            <a:endParaRPr lang="x-none" sz="1600"/>
+          </a:p>
+        </p:txBody>
+      </p:sp>
+      <p:sp>
+        <p:nvSpPr>
+          <p:cNvPr id="2" name="CustomShape 2"/>
+          <p:cNvSpPr/>
+          <p:nvPr/>
+        </p:nvSpPr>
+        <p:spPr>
+          <a:xfrm>
+            <a:off x="4653280" y="1470025"/>
+            <a:ext cx="6805295" cy="4682490"/>
+          </a:xfrm>
+          <a:prstGeom prst="rect">
+            <a:avLst/>
+          </a:prstGeom>
+          <a:solidFill>
+            <a:schemeClr val="bg1">
+              <a:lumMod val="95000"/>
+            </a:schemeClr>
+          </a:solidFill>
+          <a:ln>
+            <a:noFill/>
+          </a:ln>
+          <a:extLst>
+            <a:ext uri="{909E8E84-426E-40DD-AFC4-6F175D3DCCD1}">
+              <a14:hiddenFill xmlns:a14="http://schemas.microsoft.com/office/drawing/2010/main">
+                <a:solidFill>
+                  <a:schemeClr val="lt1"/>
+                </a:solidFill>
+              </a14:hiddenFill>
+            </a:ext>
+          </a:extLst>
+        </p:spPr>
+        <p:style>
+          <a:lnRef idx="2">
+            <a:schemeClr val="dk1"/>
+          </a:lnRef>
+          <a:fillRef idx="1">
+            <a:schemeClr val="lt1"/>
+          </a:fillRef>
+          <a:effectRef idx="0">
+            <a:schemeClr val="dk1"/>
+          </a:effectRef>
+          <a:fontRef idx="minor">
+            <a:schemeClr val="dk1"/>
+          </a:fontRef>
+        </p:style>
+        <p:txBody>
+          <a:bodyPr lIns="252095" tIns="179705" rIns="90000" bIns="45000"/>
+          <a:p>
+            <a:pPr indent="0">
+              <a:lnSpc>
+                <a:spcPct val="100000"/>
+              </a:lnSpc>
+              <a:buClr>
+                <a:srgbClr val="2C3E50"/>
+              </a:buClr>
+              <a:buFont typeface="StarSymbol"/>
+              <a:buNone/>
+            </a:pPr>
+            <a:r>
+              <a:rPr lang="x-none" sz="1200">
+                <a:solidFill>
+                  <a:srgbClr val="2980B9"/>
+                </a:solidFill>
+                <a:latin typeface="Noto Sans [monotype]" charset="0"/>
+                <a:ea typeface="Sans Serif" charset="0"/>
+              </a:rPr>
+              <a:t>T = 1000 // celcius</a:t>
+            </a:r>
+            <a:endParaRPr lang="x-none" sz="1200">
+              <a:solidFill>
+                <a:srgbClr val="2980B9"/>
+              </a:solidFill>
+              <a:latin typeface="Noto Sans [monotype]" charset="0"/>
+              <a:ea typeface="Sans Serif" charset="0"/>
+            </a:endParaRPr>
+          </a:p>
+          <a:p>
+            <a:pPr indent="0">
+              <a:lnSpc>
+                <a:spcPct val="100000"/>
+              </a:lnSpc>
+              <a:buClr>
+                <a:srgbClr val="2C3E50"/>
+              </a:buClr>
+              <a:buFont typeface="StarSymbol"/>
+              <a:buNone/>
+            </a:pPr>
+            <a:r>
+              <a:rPr lang="x-none" sz="1200">
+                <a:solidFill>
+                  <a:srgbClr val="2980B9"/>
+                </a:solidFill>
+                <a:latin typeface="Noto Sans [monotype]" charset="0"/>
+                <a:ea typeface="Sans Serif" charset="0"/>
+              </a:rPr>
+              <a:t>tmp_solution = generate_solution()</a:t>
+            </a:r>
+            <a:endParaRPr lang="x-none" sz="1200">
+              <a:solidFill>
+                <a:srgbClr val="2980B9"/>
+              </a:solidFill>
+              <a:latin typeface="Noto Sans [monotype]" charset="0"/>
+              <a:ea typeface="Sans Serif" charset="0"/>
+            </a:endParaRPr>
+          </a:p>
+          <a:p>
+            <a:pPr indent="0">
+              <a:lnSpc>
+                <a:spcPct val="100000"/>
+              </a:lnSpc>
+              <a:buClr>
+                <a:srgbClr val="2C3E50"/>
+              </a:buClr>
+              <a:buFont typeface="StarSymbol"/>
+              <a:buNone/>
+            </a:pPr>
+            <a:r>
+              <a:rPr lang="x-none" sz="1200">
+                <a:solidFill>
+                  <a:srgbClr val="2980B9"/>
+                </a:solidFill>
+                <a:latin typeface="Noto Sans [monotype]" charset="0"/>
+                <a:ea typeface="Sans Serif" charset="0"/>
+              </a:rPr>
+              <a:t>tmp_result = evaluate(tmp_solution)</a:t>
+            </a:r>
+            <a:endParaRPr lang="x-none" sz="1200">
+              <a:solidFill>
+                <a:srgbClr val="2980B9"/>
+              </a:solidFill>
+              <a:latin typeface="Noto Sans [monotype]" charset="0"/>
+              <a:ea typeface="Sans Serif" charset="0"/>
+            </a:endParaRPr>
+          </a:p>
+          <a:p>
+            <a:pPr indent="0">
+              <a:lnSpc>
+                <a:spcPct val="100000"/>
+              </a:lnSpc>
+              <a:buClr>
+                <a:srgbClr val="2C3E50"/>
+              </a:buClr>
+              <a:buFont typeface="StarSymbol"/>
+              <a:buNone/>
+            </a:pPr>
+            <a:r>
+              <a:rPr lang="x-none" sz="1200">
+                <a:solidFill>
+                  <a:srgbClr val="2980B9"/>
+                </a:solidFill>
+                <a:latin typeface="Noto Sans [monotype]" charset="0"/>
+                <a:ea typeface="Sans Serif" charset="0"/>
+              </a:rPr>
+              <a:t>loop</a:t>
+            </a:r>
+            <a:endParaRPr lang="x-none" sz="1200">
+              <a:solidFill>
+                <a:srgbClr val="2980B9"/>
+              </a:solidFill>
+              <a:latin typeface="Noto Sans [monotype]" charset="0"/>
+              <a:ea typeface="Sans Serif" charset="0"/>
+            </a:endParaRPr>
+          </a:p>
+          <a:p>
+            <a:pPr indent="0">
+              <a:lnSpc>
+                <a:spcPct val="100000"/>
+              </a:lnSpc>
+              <a:buClr>
+                <a:srgbClr val="2C3E50"/>
+              </a:buClr>
+              <a:buFont typeface="StarSymbol"/>
+              <a:buNone/>
+            </a:pPr>
+            <a:r>
+              <a:rPr lang="x-none" sz="1200">
+                <a:solidFill>
+                  <a:srgbClr val="2980B9"/>
+                </a:solidFill>
+                <a:latin typeface="Noto Sans [monotype]" charset="0"/>
+                <a:ea typeface="Sans Serif" charset="0"/>
+              </a:rPr>
+              <a:t>	new_solution = modif(tmp_solution)</a:t>
+            </a:r>
+            <a:endParaRPr lang="x-none" sz="1200">
+              <a:solidFill>
+                <a:srgbClr val="2980B9"/>
+              </a:solidFill>
+              <a:latin typeface="Noto Sans [monotype]" charset="0"/>
+              <a:ea typeface="Sans Serif" charset="0"/>
+            </a:endParaRPr>
+          </a:p>
+          <a:p>
+            <a:pPr indent="0">
+              <a:lnSpc>
+                <a:spcPct val="100000"/>
+              </a:lnSpc>
+              <a:buClr>
+                <a:srgbClr val="2C3E50"/>
+              </a:buClr>
+              <a:buFont typeface="StarSymbol"/>
+              <a:buNone/>
+            </a:pPr>
+            <a:r>
+              <a:rPr lang="x-none" sz="1200">
+                <a:solidFill>
+                  <a:srgbClr val="2980B9"/>
+                </a:solidFill>
+                <a:latin typeface="Noto Sans [monotype]" charset="0"/>
+                <a:ea typeface="Sans Serif" charset="0"/>
+              </a:rPr>
+              <a:t>	new_result = evaluate(new_solution)</a:t>
+            </a:r>
+            <a:endParaRPr lang="x-none" sz="1200">
+              <a:solidFill>
+                <a:srgbClr val="2980B9"/>
+              </a:solidFill>
+              <a:latin typeface="Noto Sans [monotype]" charset="0"/>
+              <a:ea typeface="Sans Serif" charset="0"/>
+            </a:endParaRPr>
+          </a:p>
+          <a:p>
+            <a:pPr indent="0">
+              <a:lnSpc>
+                <a:spcPct val="100000"/>
+              </a:lnSpc>
+              <a:buClr>
+                <a:srgbClr val="2C3E50"/>
+              </a:buClr>
+              <a:buFont typeface="StarSymbol"/>
+              <a:buNone/>
+            </a:pPr>
+            <a:endParaRPr lang="x-none" sz="1200">
+              <a:solidFill>
+                <a:srgbClr val="2980B9"/>
+              </a:solidFill>
+              <a:latin typeface="Noto Sans [monotype]" charset="0"/>
+              <a:ea typeface="Sans Serif" charset="0"/>
+            </a:endParaRPr>
+          </a:p>
+          <a:p>
+            <a:pPr indent="0">
+              <a:lnSpc>
+                <a:spcPct val="100000"/>
+              </a:lnSpc>
+              <a:buClr>
+                <a:srgbClr val="2C3E50"/>
+              </a:buClr>
+              <a:buFont typeface="StarSymbol"/>
+              <a:buNone/>
+            </a:pPr>
+            <a:r>
+              <a:rPr lang="x-none" sz="1200">
+                <a:solidFill>
+                  <a:srgbClr val="2980B9"/>
+                </a:solidFill>
+                <a:latin typeface="Noto Sans [monotype]" charset="0"/>
+                <a:ea typeface="Sans Serif" charset="0"/>
+              </a:rPr>
+              <a:t>	if(new_result &gt; tmp_result)</a:t>
+            </a:r>
+            <a:endParaRPr lang="x-none" sz="1200">
+              <a:solidFill>
+                <a:srgbClr val="2980B9"/>
+              </a:solidFill>
+              <a:latin typeface="Noto Sans [monotype]" charset="0"/>
+              <a:ea typeface="Sans Serif" charset="0"/>
+            </a:endParaRPr>
+          </a:p>
+          <a:p>
+            <a:pPr indent="0">
+              <a:lnSpc>
+                <a:spcPct val="100000"/>
+              </a:lnSpc>
+              <a:buClr>
+                <a:srgbClr val="2C3E50"/>
+              </a:buClr>
+              <a:buFont typeface="StarSymbol"/>
+              <a:buNone/>
+            </a:pPr>
+            <a:r>
+              <a:rPr lang="x-none" sz="1200">
+                <a:solidFill>
+                  <a:srgbClr val="2980B9"/>
+                </a:solidFill>
+                <a:latin typeface="Noto Sans [monotype]" charset="0"/>
+                <a:ea typeface="Sans Serif" charset="0"/>
+              </a:rPr>
+              <a:t>		tmp_solution = new_solution</a:t>
+            </a:r>
+            <a:endParaRPr lang="x-none" sz="1200">
+              <a:solidFill>
+                <a:srgbClr val="2980B9"/>
+              </a:solidFill>
+              <a:latin typeface="Noto Sans [monotype]" charset="0"/>
+              <a:ea typeface="Sans Serif" charset="0"/>
+            </a:endParaRPr>
+          </a:p>
+          <a:p>
+            <a:pPr indent="0">
+              <a:lnSpc>
+                <a:spcPct val="100000"/>
+              </a:lnSpc>
+              <a:buClr>
+                <a:srgbClr val="2C3E50"/>
+              </a:buClr>
+              <a:buFont typeface="StarSymbol"/>
+              <a:buNone/>
+            </a:pPr>
+            <a:r>
+              <a:rPr lang="x-none" sz="1200">
+                <a:solidFill>
+                  <a:srgbClr val="2980B9"/>
+                </a:solidFill>
+                <a:latin typeface="Noto Sans [monotype]" charset="0"/>
+                <a:ea typeface="Sans Serif" charset="0"/>
+              </a:rPr>
+              <a:t>		tmp_result = new_result</a:t>
+            </a:r>
+            <a:endParaRPr lang="x-none" sz="1200">
+              <a:solidFill>
+                <a:srgbClr val="2980B9"/>
+              </a:solidFill>
+              <a:latin typeface="Noto Sans [monotype]" charset="0"/>
+              <a:ea typeface="Sans Serif" charset="0"/>
+            </a:endParaRPr>
+          </a:p>
+          <a:p>
+            <a:pPr indent="0">
+              <a:lnSpc>
+                <a:spcPct val="100000"/>
+              </a:lnSpc>
+              <a:buClr>
+                <a:srgbClr val="2C3E50"/>
+              </a:buClr>
+              <a:buFont typeface="StarSymbol"/>
+              <a:buNone/>
+            </a:pPr>
+            <a:r>
+              <a:rPr lang="x-none" sz="1200">
+                <a:solidFill>
+                  <a:srgbClr val="2980B9"/>
+                </a:solidFill>
+                <a:latin typeface="Noto Sans [monotype]" charset="0"/>
+                <a:ea typeface="Sans Serif" charset="0"/>
+              </a:rPr>
+              <a:t>	else</a:t>
+            </a:r>
+            <a:endParaRPr lang="x-none" sz="1200">
+              <a:solidFill>
+                <a:srgbClr val="2980B9"/>
+              </a:solidFill>
+              <a:latin typeface="Noto Sans [monotype]" charset="0"/>
+              <a:ea typeface="Sans Serif" charset="0"/>
+            </a:endParaRPr>
+          </a:p>
+          <a:p>
+            <a:pPr indent="0">
+              <a:lnSpc>
+                <a:spcPct val="100000"/>
+              </a:lnSpc>
+              <a:buClr>
+                <a:srgbClr val="2C3E50"/>
+              </a:buClr>
+              <a:buFont typeface="StarSymbol"/>
+              <a:buNone/>
+            </a:pPr>
+            <a:r>
+              <a:rPr lang="x-none" sz="1200">
+                <a:solidFill>
+                  <a:srgbClr val="2980B9"/>
+                </a:solidFill>
+                <a:latin typeface="Noto Sans [monotype]" charset="0"/>
+                <a:ea typeface="Sans Serif" charset="0"/>
+              </a:rPr>
+              <a:t>		D = new_result - tmp_result</a:t>
+            </a:r>
+            <a:endParaRPr lang="x-none" sz="1200">
+              <a:solidFill>
+                <a:srgbClr val="2980B9"/>
+              </a:solidFill>
+              <a:latin typeface="Noto Sans [monotype]" charset="0"/>
+              <a:ea typeface="Sans Serif" charset="0"/>
+            </a:endParaRPr>
+          </a:p>
+          <a:p>
+            <a:pPr indent="0">
+              <a:lnSpc>
+                <a:spcPct val="100000"/>
+              </a:lnSpc>
+              <a:buClr>
+                <a:srgbClr val="2C3E50"/>
+              </a:buClr>
+              <a:buFont typeface="StarSymbol"/>
+              <a:buNone/>
+            </a:pPr>
+            <a:r>
+              <a:rPr lang="x-none" sz="1200">
+                <a:solidFill>
+                  <a:srgbClr val="2980B9"/>
+                </a:solidFill>
+                <a:latin typeface="Noto Sans [monotype]" charset="0"/>
+                <a:ea typeface="Sans Serif" charset="0"/>
+              </a:rPr>
+              <a:t>		e = exponential(D/T)</a:t>
+            </a:r>
+            <a:endParaRPr lang="x-none" sz="1200">
+              <a:solidFill>
+                <a:srgbClr val="2980B9"/>
+              </a:solidFill>
+              <a:latin typeface="Noto Sans [monotype]" charset="0"/>
+              <a:ea typeface="Sans Serif" charset="0"/>
+            </a:endParaRPr>
+          </a:p>
+          <a:p>
+            <a:pPr indent="0">
+              <a:lnSpc>
+                <a:spcPct val="100000"/>
+              </a:lnSpc>
+              <a:buClr>
+                <a:srgbClr val="2C3E50"/>
+              </a:buClr>
+              <a:buFont typeface="StarSymbol"/>
+              <a:buNone/>
+            </a:pPr>
+            <a:r>
+              <a:rPr lang="x-none" sz="1200">
+                <a:solidFill>
+                  <a:srgbClr val="2980B9"/>
+                </a:solidFill>
+                <a:latin typeface="Noto Sans [monotype]" charset="0"/>
+                <a:ea typeface="Sans Serif" charset="0"/>
+              </a:rPr>
+              <a:t>		r = random()</a:t>
+            </a:r>
+            <a:endParaRPr lang="x-none" sz="1200">
+              <a:solidFill>
+                <a:srgbClr val="2980B9"/>
+              </a:solidFill>
+              <a:latin typeface="Noto Sans [monotype]" charset="0"/>
+              <a:ea typeface="Sans Serif" charset="0"/>
+            </a:endParaRPr>
+          </a:p>
+          <a:p>
+            <a:pPr indent="0">
+              <a:lnSpc>
+                <a:spcPct val="100000"/>
+              </a:lnSpc>
+              <a:buClr>
+                <a:srgbClr val="2C3E50"/>
+              </a:buClr>
+              <a:buFont typeface="StarSymbol"/>
+              <a:buNone/>
+            </a:pPr>
+            <a:r>
+              <a:rPr lang="x-none" sz="1200">
+                <a:solidFill>
+                  <a:srgbClr val="2980B9"/>
+                </a:solidFill>
+                <a:latin typeface="Noto Sans [monotype]" charset="0"/>
+                <a:ea typeface="Sans Serif" charset="0"/>
+              </a:rPr>
+              <a:t>		if(e &gt; r)</a:t>
+            </a:r>
+            <a:r>
+              <a:rPr lang="x-none" sz="1200">
+                <a:solidFill>
+                  <a:srgbClr val="2980B9"/>
+                </a:solidFill>
+                <a:latin typeface="Noto Sans [monotype]" charset="0"/>
+                <a:ea typeface="Sans Serif" charset="0"/>
+                <a:sym typeface="+mn-ea"/>
+              </a:rPr>
+              <a:t>	</a:t>
+            </a:r>
+            <a:endParaRPr lang="x-none" sz="1200">
+              <a:solidFill>
+                <a:srgbClr val="2980B9"/>
+              </a:solidFill>
+              <a:latin typeface="Noto Sans [monotype]" charset="0"/>
+              <a:ea typeface="Sans Serif" charset="0"/>
+              <a:sym typeface="+mn-ea"/>
+            </a:endParaRPr>
+          </a:p>
+          <a:p>
+            <a:pPr indent="0">
+              <a:lnSpc>
+                <a:spcPct val="100000"/>
+              </a:lnSpc>
+              <a:buClr>
+                <a:srgbClr val="2C3E50"/>
+              </a:buClr>
+              <a:buFont typeface="StarSymbol"/>
+              <a:buNone/>
+            </a:pPr>
+            <a:r>
+              <a:rPr lang="x-none" sz="1200">
+                <a:solidFill>
+                  <a:srgbClr val="2980B9"/>
+                </a:solidFill>
+                <a:latin typeface="Noto Sans [monotype]" charset="0"/>
+                <a:ea typeface="Sans Serif" charset="0"/>
+                <a:sym typeface="+mn-ea"/>
+              </a:rPr>
+              <a:t>			new_solution = modif(tmp_solution)</a:t>
+            </a:r>
+            <a:endParaRPr lang="x-none" sz="1200">
+              <a:solidFill>
+                <a:srgbClr val="2980B9"/>
+              </a:solidFill>
+              <a:latin typeface="Noto Sans [monotype]" charset="0"/>
+              <a:ea typeface="Sans Serif" charset="0"/>
+              <a:sym typeface="+mn-ea"/>
+            </a:endParaRPr>
+          </a:p>
+          <a:p>
+            <a:pPr indent="0">
+              <a:lnSpc>
+                <a:spcPct val="100000"/>
+              </a:lnSpc>
+              <a:buClr>
+                <a:srgbClr val="2C3E50"/>
+              </a:buClr>
+              <a:buFont typeface="StarSymbol"/>
+              <a:buNone/>
+            </a:pPr>
+            <a:r>
+              <a:rPr lang="x-none" sz="1200">
+                <a:solidFill>
+                  <a:srgbClr val="2980B9"/>
+                </a:solidFill>
+                <a:latin typeface="Noto Sans [monotype]" charset="0"/>
+                <a:ea typeface="Sans Serif" charset="0"/>
+                <a:sym typeface="+mn-ea"/>
+              </a:rPr>
+              <a:t>			new_result = evaluate(new_solution)</a:t>
+            </a:r>
+            <a:endParaRPr lang="x-none" sz="1200">
+              <a:solidFill>
+                <a:srgbClr val="2980B9"/>
+              </a:solidFill>
+              <a:latin typeface="Noto Sans [monotype]" charset="0"/>
+              <a:ea typeface="Sans Serif" charset="0"/>
+              <a:sym typeface="+mn-ea"/>
+            </a:endParaRPr>
+          </a:p>
+          <a:p>
+            <a:pPr indent="0">
+              <a:lnSpc>
+                <a:spcPct val="100000"/>
+              </a:lnSpc>
+              <a:buClr>
+                <a:srgbClr val="2C3E50"/>
+              </a:buClr>
+              <a:buFont typeface="StarSymbol"/>
+              <a:buNone/>
+            </a:pPr>
+            <a:r>
+              <a:rPr lang="x-none" sz="1200">
+                <a:solidFill>
+                  <a:srgbClr val="2980B9"/>
+                </a:solidFill>
+                <a:latin typeface="Noto Sans [monotype]" charset="0"/>
+                <a:ea typeface="Sans Serif" charset="0"/>
+                <a:sym typeface="+mn-ea"/>
+              </a:rPr>
+              <a:t>	</a:t>
+            </a:r>
+            <a:endParaRPr lang="x-none" sz="1200">
+              <a:solidFill>
+                <a:srgbClr val="2980B9"/>
+              </a:solidFill>
+              <a:latin typeface="Noto Sans [monotype]" charset="0"/>
+              <a:ea typeface="Sans Serif" charset="0"/>
+              <a:sym typeface="+mn-ea"/>
+            </a:endParaRPr>
+          </a:p>
+          <a:p>
+            <a:pPr indent="0">
+              <a:lnSpc>
+                <a:spcPct val="100000"/>
+              </a:lnSpc>
+              <a:buClr>
+                <a:srgbClr val="2C3E50"/>
+              </a:buClr>
+              <a:buFont typeface="StarSymbol"/>
+              <a:buNone/>
+            </a:pPr>
+            <a:r>
+              <a:rPr lang="x-none" sz="1200">
+                <a:solidFill>
+                  <a:srgbClr val="2980B9"/>
+                </a:solidFill>
+                <a:latin typeface="Noto Sans [monotype]" charset="0"/>
+                <a:ea typeface="Sans Serif" charset="0"/>
+                <a:sym typeface="+mn-ea"/>
+              </a:rPr>
+              <a:t>	T = T * 0.99</a:t>
+            </a:r>
+            <a:endParaRPr lang="x-none" sz="1200">
+              <a:solidFill>
+                <a:srgbClr val="2980B9"/>
+              </a:solidFill>
+              <a:latin typeface="Noto Sans [monotype]" charset="0"/>
+              <a:ea typeface="Sans Serif" charset="0"/>
+              <a:sym typeface="+mn-ea"/>
+            </a:endParaRPr>
+          </a:p>
+          <a:p>
+            <a:pPr indent="0">
+              <a:lnSpc>
+                <a:spcPct val="100000"/>
+              </a:lnSpc>
+              <a:buClr>
+                <a:srgbClr val="2C3E50"/>
+              </a:buClr>
+              <a:buFont typeface="StarSymbol"/>
+              <a:buNone/>
+            </a:pPr>
+            <a:r>
+              <a:rPr lang="x-none" sz="1200">
+                <a:solidFill>
+                  <a:srgbClr val="2980B9"/>
+                </a:solidFill>
+                <a:latin typeface="Noto Sans [monotype]" charset="0"/>
+                <a:ea typeface="Sans Serif" charset="0"/>
+              </a:rPr>
+              <a:t>end loop</a:t>
+            </a:r>
+            <a:endParaRPr lang="x-none" sz="1200">
+              <a:solidFill>
+                <a:srgbClr val="2980B9"/>
+              </a:solidFill>
+              <a:latin typeface="Noto Sans [monotype]" charset="0"/>
+              <a:ea typeface="Sans Serif" charset="0"/>
+            </a:endParaRPr>
+          </a:p>
+          <a:p>
+            <a:pPr indent="0">
+              <a:lnSpc>
+                <a:spcPct val="100000"/>
+              </a:lnSpc>
+              <a:buClr>
+                <a:srgbClr val="2C3E50"/>
+              </a:buClr>
+              <a:buFont typeface="StarSymbol"/>
+              <a:buNone/>
+            </a:pPr>
+            <a:endParaRPr lang="x-none" sz="1200">
+              <a:solidFill>
+                <a:srgbClr val="2980B9"/>
+              </a:solidFill>
+              <a:latin typeface="Noto Sans [monotype]" charset="0"/>
+              <a:ea typeface="Sans Serif" charset="0"/>
+            </a:endParaRPr>
+          </a:p>
+          <a:p>
+            <a:pPr indent="0">
+              <a:lnSpc>
+                <a:spcPct val="100000"/>
+              </a:lnSpc>
+              <a:buClr>
+                <a:srgbClr val="2C3E50"/>
+              </a:buClr>
+              <a:buFont typeface="StarSymbol"/>
+              <a:buNone/>
+            </a:pPr>
+            <a:endParaRPr lang="x-none" sz="1200">
+              <a:solidFill>
+                <a:srgbClr val="2980B9"/>
+              </a:solidFill>
+              <a:latin typeface="Noto Sans [monotype]" charset="0"/>
+              <a:ea typeface="Sans Serif" charset="0"/>
+            </a:endParaRPr>
+          </a:p>
+          <a:p>
+            <a:pPr indent="0">
+              <a:lnSpc>
+                <a:spcPct val="100000"/>
+              </a:lnSpc>
+              <a:buClr>
+                <a:srgbClr val="2C3E50"/>
+              </a:buClr>
+              <a:buFont typeface="StarSymbol"/>
+              <a:buNone/>
+            </a:pPr>
+            <a:endParaRPr lang="x-none" sz="1200">
+              <a:solidFill>
+                <a:srgbClr val="2980B9"/>
+              </a:solidFill>
+              <a:latin typeface="Noto Sans [monotype]" charset="0"/>
+              <a:ea typeface="Sans Serif" charset="0"/>
+            </a:endParaRPr>
+          </a:p>
+        </p:txBody>
+      </p:sp>
+      <p:sp>
+        <p:nvSpPr>
+          <p:cNvPr id="3" name="Rectangle 2"/>
+          <p:cNvSpPr/>
+          <p:nvPr/>
+        </p:nvSpPr>
+        <p:spPr>
+          <a:xfrm>
+            <a:off x="4414520" y="1480185"/>
+            <a:ext cx="76200" cy="4684395"/>
+          </a:xfrm>
+          <a:prstGeom prst="rect">
+            <a:avLst/>
+          </a:prstGeom>
+          <a:solidFill>
+            <a:srgbClr val="3498DB"/>
+          </a:solidFill>
+          <a:ln>
+            <a:noFill/>
+          </a:ln>
+        </p:spPr>
+        <p:style>
+          <a:lnRef idx="1">
+            <a:schemeClr val="dk1"/>
+          </a:lnRef>
+          <a:fillRef idx="3">
+            <a:schemeClr val="dk1"/>
+          </a:fillRef>
+          <a:effectRef idx="2">
+            <a:schemeClr val="dk1"/>
+          </a:effectRef>
+          <a:fontRef idx="minor">
+            <a:schemeClr val="lt1"/>
+          </a:fontRef>
+        </p:style>
+        <p:txBody>
+          <a:bodyPr rtlCol="0" anchor="ctr"/>
+          <a:p>
+            <a:pPr algn="ctr"/>
+            <a:endParaRPr lang="id-ID" altLang="en-US"/>
+          </a:p>
+        </p:txBody>
+      </p:sp>
     </p:spTree>
   </p:cSld>
   <p:clrMapOvr>
@@ -5788,7 +6836,3063 @@
   <p:timing>
     <p:tnLst>
       <p:par>
-        <p:cTn id="1" dur="indefinite" restart="never" nodeType="tmRoot"/>
+        <p:cTn id="1" dur="indefinite" restart="never" nodeType="tmRoot">
+          <p:childTnLst>
+            <p:seq concurrent="1" nextAc="seek">
+              <p:cTn id="2" dur="indefinite" nodeType="mainSeq">
+                <p:childTnLst>
+                  <p:par>
+                    <p:cTn id="3" fill="hold">
+                      <p:stCondLst>
+                        <p:cond delay="indefinite"/>
+                      </p:stCondLst>
+                      <p:childTnLst>
+                        <p:par>
+                          <p:cTn id="4" fill="hold">
+                            <p:stCondLst>
+                              <p:cond delay="0"/>
+                            </p:stCondLst>
+                            <p:childTnLst>
+                              <p:par>
+                                <p:cTn id="5" presetID="27" presetClass="entr" presetSubtype="0" fill="hold" nodeType="clickEffect">
+                                  <p:stCondLst>
+                                    <p:cond delay="0"/>
+                                  </p:stCondLst>
+                                  <p:iterate type="lt">
+                                    <p:tmPct val="50000"/>
+                                  </p:iterate>
+                                  <p:childTnLst>
+                                    <p:set>
+                                      <p:cBhvr>
+                                        <p:cTn id="6" dur="1" fill="hold">
+                                          <p:stCondLst>
+                                            <p:cond delay="0"/>
+                                          </p:stCondLst>
+                                        </p:cTn>
+                                        <p:tgtEl>
+                                          <p:spTgt spid="88">
+                                            <p:txEl>
+                                              <p:pRg st="0" end="0"/>
+                                            </p:txEl>
+                                          </p:spTgt>
+                                        </p:tgtEl>
+                                        <p:attrNameLst>
+                                          <p:attrName>style.visibility</p:attrName>
+                                        </p:attrNameLst>
+                                      </p:cBhvr>
+                                      <p:to>
+                                        <p:strVal val="visible"/>
+                                      </p:to>
+                                    </p:set>
+                                    <p:anim calcmode="discrete" valueType="clr">
+                                      <p:cBhvr override="childStyle">
+                                        <p:cTn id="7" dur="80"/>
+                                        <p:tgtEl>
+                                          <p:spTgt spid="88">
+                                            <p:txEl>
+                                              <p:pRg st="0" end="0"/>
+                                            </p:txEl>
+                                          </p:spTgt>
+                                        </p:tgtEl>
+                                        <p:attrNameLst>
+                                          <p:attrName>style.color</p:attrName>
+                                        </p:attrNameLst>
+                                      </p:cBhvr>
+                                      <p:tavLst>
+                                        <p:tav tm="0">
+                                          <p:val>
+                                            <p:clrVal>
+                                              <a:schemeClr val="accent2"/>
+                                            </p:clrVal>
+                                          </p:val>
+                                        </p:tav>
+                                        <p:tav tm="50000">
+                                          <p:val>
+                                            <p:clrVal>
+                                              <a:schemeClr val="hlink"/>
+                                            </p:clrVal>
+                                          </p:val>
+                                        </p:tav>
+                                      </p:tavLst>
+                                    </p:anim>
+                                    <p:anim calcmode="discrete" valueType="clr">
+                                      <p:cBhvr>
+                                        <p:cTn id="8" dur="80"/>
+                                        <p:tgtEl>
+                                          <p:spTgt spid="88">
+                                            <p:txEl>
+                                              <p:pRg st="0" end="0"/>
+                                            </p:txEl>
+                                          </p:spTgt>
+                                        </p:tgtEl>
+                                        <p:attrNameLst>
+                                          <p:attrName>fillcolor</p:attrName>
+                                        </p:attrNameLst>
+                                      </p:cBhvr>
+                                      <p:tavLst>
+                                        <p:tav tm="0">
+                                          <p:val>
+                                            <p:clrVal>
+                                              <a:schemeClr val="accent2"/>
+                                            </p:clrVal>
+                                          </p:val>
+                                        </p:tav>
+                                        <p:tav tm="50000">
+                                          <p:val>
+                                            <p:clrVal>
+                                              <a:schemeClr val="hlink"/>
+                                            </p:clrVal>
+                                          </p:val>
+                                        </p:tav>
+                                      </p:tavLst>
+                                    </p:anim>
+                                    <p:set>
+                                      <p:cBhvr>
+                                        <p:cTn id="9" dur="80"/>
+                                        <p:tgtEl>
+                                          <p:spTgt spid="88">
+                                            <p:txEl>
+                                              <p:pRg st="0" end="0"/>
+                                            </p:txEl>
+                                          </p:spTgt>
+                                        </p:tgtEl>
+                                        <p:attrNameLst>
+                                          <p:attrName>fill.type</p:attrName>
+                                        </p:attrNameLst>
+                                      </p:cBhvr>
+                                      <p:to>
+                                        <p:strVal val="solid"/>
+                                      </p:to>
+                                    </p:set>
+                                  </p:childTnLst>
+                                </p:cTn>
+                              </p:par>
+                            </p:childTnLst>
+                          </p:cTn>
+                        </p:par>
+                        <p:par>
+                          <p:cTn id="10" fill="hold">
+                            <p:stCondLst>
+                              <p:cond delay="800"/>
+                            </p:stCondLst>
+                            <p:childTnLst>
+                              <p:par>
+                                <p:cTn id="11" presetID="27" presetClass="entr" presetSubtype="0" fill="hold" nodeType="afterEffect">
+                                  <p:stCondLst>
+                                    <p:cond delay="0"/>
+                                  </p:stCondLst>
+                                  <p:iterate type="lt">
+                                    <p:tmPct val="50000"/>
+                                  </p:iterate>
+                                  <p:childTnLst>
+                                    <p:set>
+                                      <p:cBhvr>
+                                        <p:cTn id="12" dur="1" fill="hold">
+                                          <p:stCondLst>
+                                            <p:cond delay="0"/>
+                                          </p:stCondLst>
+                                        </p:cTn>
+                                        <p:tgtEl>
+                                          <p:spTgt spid="2">
+                                            <p:txEl>
+                                              <p:pRg st="0" end="0"/>
+                                            </p:txEl>
+                                          </p:spTgt>
+                                        </p:tgtEl>
+                                        <p:attrNameLst>
+                                          <p:attrName>style.visibility</p:attrName>
+                                        </p:attrNameLst>
+                                      </p:cBhvr>
+                                      <p:to>
+                                        <p:strVal val="visible"/>
+                                      </p:to>
+                                    </p:set>
+                                    <p:anim calcmode="discrete" valueType="clr">
+                                      <p:cBhvr override="childStyle">
+                                        <p:cTn id="13" dur="80"/>
+                                        <p:tgtEl>
+                                          <p:spTgt spid="2">
+                                            <p:txEl>
+                                              <p:pRg st="0" end="0"/>
+                                            </p:txEl>
+                                          </p:spTgt>
+                                        </p:tgtEl>
+                                        <p:attrNameLst>
+                                          <p:attrName>style.color</p:attrName>
+                                        </p:attrNameLst>
+                                      </p:cBhvr>
+                                      <p:tavLst>
+                                        <p:tav tm="0">
+                                          <p:val>
+                                            <p:clrVal>
+                                              <a:schemeClr val="accent2"/>
+                                            </p:clrVal>
+                                          </p:val>
+                                        </p:tav>
+                                        <p:tav tm="50000">
+                                          <p:val>
+                                            <p:clrVal>
+                                              <a:schemeClr val="hlink"/>
+                                            </p:clrVal>
+                                          </p:val>
+                                        </p:tav>
+                                      </p:tavLst>
+                                    </p:anim>
+                                    <p:anim calcmode="discrete" valueType="clr">
+                                      <p:cBhvr>
+                                        <p:cTn id="14" dur="80"/>
+                                        <p:tgtEl>
+                                          <p:spTgt spid="2">
+                                            <p:txEl>
+                                              <p:pRg st="0" end="0"/>
+                                            </p:txEl>
+                                          </p:spTgt>
+                                        </p:tgtEl>
+                                        <p:attrNameLst>
+                                          <p:attrName>fillcolor</p:attrName>
+                                        </p:attrNameLst>
+                                      </p:cBhvr>
+                                      <p:tavLst>
+                                        <p:tav tm="0">
+                                          <p:val>
+                                            <p:clrVal>
+                                              <a:schemeClr val="accent2"/>
+                                            </p:clrVal>
+                                          </p:val>
+                                        </p:tav>
+                                        <p:tav tm="50000">
+                                          <p:val>
+                                            <p:clrVal>
+                                              <a:schemeClr val="hlink"/>
+                                            </p:clrVal>
+                                          </p:val>
+                                        </p:tav>
+                                      </p:tavLst>
+                                    </p:anim>
+                                    <p:set>
+                                      <p:cBhvr>
+                                        <p:cTn id="15" dur="80"/>
+                                        <p:tgtEl>
+                                          <p:spTgt spid="2">
+                                            <p:txEl>
+                                              <p:pRg st="0" end="0"/>
+                                            </p:txEl>
+                                          </p:spTgt>
+                                        </p:tgtEl>
+                                        <p:attrNameLst>
+                                          <p:attrName>fill.type</p:attrName>
+                                        </p:attrNameLst>
+                                      </p:cBhvr>
+                                      <p:to>
+                                        <p:strVal val="solid"/>
+                                      </p:to>
+                                    </p:set>
+                                  </p:childTnLst>
+                                </p:cTn>
+                              </p:par>
+                            </p:childTnLst>
+                          </p:cTn>
+                        </p:par>
+                      </p:childTnLst>
+                    </p:cTn>
+                  </p:par>
+                  <p:par>
+                    <p:cTn id="16" fill="hold">
+                      <p:stCondLst>
+                        <p:cond delay="indefinite"/>
+                      </p:stCondLst>
+                      <p:childTnLst>
+                        <p:par>
+                          <p:cTn id="17" fill="hold">
+                            <p:stCondLst>
+                              <p:cond delay="0"/>
+                            </p:stCondLst>
+                            <p:childTnLst>
+                              <p:par>
+                                <p:cTn id="18" presetID="27" presetClass="entr" presetSubtype="0" fill="hold" nodeType="clickEffect">
+                                  <p:stCondLst>
+                                    <p:cond delay="0"/>
+                                  </p:stCondLst>
+                                  <p:iterate type="lt">
+                                    <p:tmPct val="50000"/>
+                                  </p:iterate>
+                                  <p:childTnLst>
+                                    <p:set>
+                                      <p:cBhvr>
+                                        <p:cTn id="19" dur="1" fill="hold">
+                                          <p:stCondLst>
+                                            <p:cond delay="0"/>
+                                          </p:stCondLst>
+                                        </p:cTn>
+                                        <p:tgtEl>
+                                          <p:spTgt spid="88">
+                                            <p:txEl>
+                                              <p:pRg st="1" end="1"/>
+                                            </p:txEl>
+                                          </p:spTgt>
+                                        </p:tgtEl>
+                                        <p:attrNameLst>
+                                          <p:attrName>style.visibility</p:attrName>
+                                        </p:attrNameLst>
+                                      </p:cBhvr>
+                                      <p:to>
+                                        <p:strVal val="visible"/>
+                                      </p:to>
+                                    </p:set>
+                                    <p:anim calcmode="discrete" valueType="clr">
+                                      <p:cBhvr override="childStyle">
+                                        <p:cTn id="20" dur="80"/>
+                                        <p:tgtEl>
+                                          <p:spTgt spid="88">
+                                            <p:txEl>
+                                              <p:pRg st="1" end="1"/>
+                                            </p:txEl>
+                                          </p:spTgt>
+                                        </p:tgtEl>
+                                        <p:attrNameLst>
+                                          <p:attrName>style.color</p:attrName>
+                                        </p:attrNameLst>
+                                      </p:cBhvr>
+                                      <p:tavLst>
+                                        <p:tav tm="0">
+                                          <p:val>
+                                            <p:clrVal>
+                                              <a:schemeClr val="accent2"/>
+                                            </p:clrVal>
+                                          </p:val>
+                                        </p:tav>
+                                        <p:tav tm="50000">
+                                          <p:val>
+                                            <p:clrVal>
+                                              <a:schemeClr val="hlink"/>
+                                            </p:clrVal>
+                                          </p:val>
+                                        </p:tav>
+                                      </p:tavLst>
+                                    </p:anim>
+                                    <p:anim calcmode="discrete" valueType="clr">
+                                      <p:cBhvr>
+                                        <p:cTn id="21" dur="80"/>
+                                        <p:tgtEl>
+                                          <p:spTgt spid="88">
+                                            <p:txEl>
+                                              <p:pRg st="1" end="1"/>
+                                            </p:txEl>
+                                          </p:spTgt>
+                                        </p:tgtEl>
+                                        <p:attrNameLst>
+                                          <p:attrName>fillcolor</p:attrName>
+                                        </p:attrNameLst>
+                                      </p:cBhvr>
+                                      <p:tavLst>
+                                        <p:tav tm="0">
+                                          <p:val>
+                                            <p:clrVal>
+                                              <a:schemeClr val="accent2"/>
+                                            </p:clrVal>
+                                          </p:val>
+                                        </p:tav>
+                                        <p:tav tm="50000">
+                                          <p:val>
+                                            <p:clrVal>
+                                              <a:schemeClr val="hlink"/>
+                                            </p:clrVal>
+                                          </p:val>
+                                        </p:tav>
+                                      </p:tavLst>
+                                    </p:anim>
+                                    <p:set>
+                                      <p:cBhvr>
+                                        <p:cTn id="22" dur="80"/>
+                                        <p:tgtEl>
+                                          <p:spTgt spid="88">
+                                            <p:txEl>
+                                              <p:pRg st="1" end="1"/>
+                                            </p:txEl>
+                                          </p:spTgt>
+                                        </p:tgtEl>
+                                        <p:attrNameLst>
+                                          <p:attrName>fill.type</p:attrName>
+                                        </p:attrNameLst>
+                                      </p:cBhvr>
+                                      <p:to>
+                                        <p:strVal val="solid"/>
+                                      </p:to>
+                                    </p:set>
+                                  </p:childTnLst>
+                                </p:cTn>
+                              </p:par>
+                            </p:childTnLst>
+                          </p:cTn>
+                        </p:par>
+                        <p:par>
+                          <p:cTn id="23" fill="hold">
+                            <p:stCondLst>
+                              <p:cond delay="560"/>
+                            </p:stCondLst>
+                            <p:childTnLst>
+                              <p:par>
+                                <p:cTn id="24" presetID="27" presetClass="entr" presetSubtype="0" fill="hold" nodeType="afterEffect">
+                                  <p:stCondLst>
+                                    <p:cond delay="0"/>
+                                  </p:stCondLst>
+                                  <p:iterate type="lt">
+                                    <p:tmPct val="50000"/>
+                                  </p:iterate>
+                                  <p:childTnLst>
+                                    <p:set>
+                                      <p:cBhvr>
+                                        <p:cTn id="25" dur="1" fill="hold">
+                                          <p:stCondLst>
+                                            <p:cond delay="0"/>
+                                          </p:stCondLst>
+                                        </p:cTn>
+                                        <p:tgtEl>
+                                          <p:spTgt spid="2">
+                                            <p:txEl>
+                                              <p:pRg st="1" end="1"/>
+                                            </p:txEl>
+                                          </p:spTgt>
+                                        </p:tgtEl>
+                                        <p:attrNameLst>
+                                          <p:attrName>style.visibility</p:attrName>
+                                        </p:attrNameLst>
+                                      </p:cBhvr>
+                                      <p:to>
+                                        <p:strVal val="visible"/>
+                                      </p:to>
+                                    </p:set>
+                                    <p:anim calcmode="discrete" valueType="clr">
+                                      <p:cBhvr override="childStyle">
+                                        <p:cTn id="26" dur="80"/>
+                                        <p:tgtEl>
+                                          <p:spTgt spid="2">
+                                            <p:txEl>
+                                              <p:pRg st="1" end="1"/>
+                                            </p:txEl>
+                                          </p:spTgt>
+                                        </p:tgtEl>
+                                        <p:attrNameLst>
+                                          <p:attrName>style.color</p:attrName>
+                                        </p:attrNameLst>
+                                      </p:cBhvr>
+                                      <p:tavLst>
+                                        <p:tav tm="0">
+                                          <p:val>
+                                            <p:clrVal>
+                                              <a:schemeClr val="accent2"/>
+                                            </p:clrVal>
+                                          </p:val>
+                                        </p:tav>
+                                        <p:tav tm="50000">
+                                          <p:val>
+                                            <p:clrVal>
+                                              <a:schemeClr val="hlink"/>
+                                            </p:clrVal>
+                                          </p:val>
+                                        </p:tav>
+                                      </p:tavLst>
+                                    </p:anim>
+                                    <p:anim calcmode="discrete" valueType="clr">
+                                      <p:cBhvr>
+                                        <p:cTn id="27" dur="80"/>
+                                        <p:tgtEl>
+                                          <p:spTgt spid="2">
+                                            <p:txEl>
+                                              <p:pRg st="1" end="1"/>
+                                            </p:txEl>
+                                          </p:spTgt>
+                                        </p:tgtEl>
+                                        <p:attrNameLst>
+                                          <p:attrName>fillcolor</p:attrName>
+                                        </p:attrNameLst>
+                                      </p:cBhvr>
+                                      <p:tavLst>
+                                        <p:tav tm="0">
+                                          <p:val>
+                                            <p:clrVal>
+                                              <a:schemeClr val="accent2"/>
+                                            </p:clrVal>
+                                          </p:val>
+                                        </p:tav>
+                                        <p:tav tm="50000">
+                                          <p:val>
+                                            <p:clrVal>
+                                              <a:schemeClr val="hlink"/>
+                                            </p:clrVal>
+                                          </p:val>
+                                        </p:tav>
+                                      </p:tavLst>
+                                    </p:anim>
+                                    <p:set>
+                                      <p:cBhvr>
+                                        <p:cTn id="28" dur="80"/>
+                                        <p:tgtEl>
+                                          <p:spTgt spid="2">
+                                            <p:txEl>
+                                              <p:pRg st="1" end="1"/>
+                                            </p:txEl>
+                                          </p:spTgt>
+                                        </p:tgtEl>
+                                        <p:attrNameLst>
+                                          <p:attrName>fill.type</p:attrName>
+                                        </p:attrNameLst>
+                                      </p:cBhvr>
+                                      <p:to>
+                                        <p:strVal val="solid"/>
+                                      </p:to>
+                                    </p:set>
+                                  </p:childTnLst>
+                                </p:cTn>
+                              </p:par>
+                            </p:childTnLst>
+                          </p:cTn>
+                        </p:par>
+                      </p:childTnLst>
+                    </p:cTn>
+                  </p:par>
+                  <p:par>
+                    <p:cTn id="29" fill="hold">
+                      <p:stCondLst>
+                        <p:cond delay="indefinite"/>
+                      </p:stCondLst>
+                      <p:childTnLst>
+                        <p:par>
+                          <p:cTn id="30" fill="hold">
+                            <p:stCondLst>
+                              <p:cond delay="0"/>
+                            </p:stCondLst>
+                            <p:childTnLst>
+                              <p:par>
+                                <p:cTn id="31" presetID="27" presetClass="entr" presetSubtype="0" fill="hold" nodeType="clickEffect">
+                                  <p:stCondLst>
+                                    <p:cond delay="0"/>
+                                  </p:stCondLst>
+                                  <p:iterate type="lt">
+                                    <p:tmPct val="50000"/>
+                                  </p:iterate>
+                                  <p:childTnLst>
+                                    <p:set>
+                                      <p:cBhvr>
+                                        <p:cTn id="32" dur="1" fill="hold">
+                                          <p:stCondLst>
+                                            <p:cond delay="0"/>
+                                          </p:stCondLst>
+                                        </p:cTn>
+                                        <p:tgtEl>
+                                          <p:spTgt spid="88">
+                                            <p:txEl>
+                                              <p:pRg st="2" end="2"/>
+                                            </p:txEl>
+                                          </p:spTgt>
+                                        </p:tgtEl>
+                                        <p:attrNameLst>
+                                          <p:attrName>style.visibility</p:attrName>
+                                        </p:attrNameLst>
+                                      </p:cBhvr>
+                                      <p:to>
+                                        <p:strVal val="visible"/>
+                                      </p:to>
+                                    </p:set>
+                                    <p:anim calcmode="discrete" valueType="clr">
+                                      <p:cBhvr override="childStyle">
+                                        <p:cTn id="33" dur="80"/>
+                                        <p:tgtEl>
+                                          <p:spTgt spid="88">
+                                            <p:txEl>
+                                              <p:pRg st="2" end="2"/>
+                                            </p:txEl>
+                                          </p:spTgt>
+                                        </p:tgtEl>
+                                        <p:attrNameLst>
+                                          <p:attrName>style.color</p:attrName>
+                                        </p:attrNameLst>
+                                      </p:cBhvr>
+                                      <p:tavLst>
+                                        <p:tav tm="0">
+                                          <p:val>
+                                            <p:clrVal>
+                                              <a:schemeClr val="accent2"/>
+                                            </p:clrVal>
+                                          </p:val>
+                                        </p:tav>
+                                        <p:tav tm="50000">
+                                          <p:val>
+                                            <p:clrVal>
+                                              <a:schemeClr val="hlink"/>
+                                            </p:clrVal>
+                                          </p:val>
+                                        </p:tav>
+                                      </p:tavLst>
+                                    </p:anim>
+                                    <p:anim calcmode="discrete" valueType="clr">
+                                      <p:cBhvr>
+                                        <p:cTn id="34" dur="80"/>
+                                        <p:tgtEl>
+                                          <p:spTgt spid="88">
+                                            <p:txEl>
+                                              <p:pRg st="2" end="2"/>
+                                            </p:txEl>
+                                          </p:spTgt>
+                                        </p:tgtEl>
+                                        <p:attrNameLst>
+                                          <p:attrName>fillcolor</p:attrName>
+                                        </p:attrNameLst>
+                                      </p:cBhvr>
+                                      <p:tavLst>
+                                        <p:tav tm="0">
+                                          <p:val>
+                                            <p:clrVal>
+                                              <a:schemeClr val="accent2"/>
+                                            </p:clrVal>
+                                          </p:val>
+                                        </p:tav>
+                                        <p:tav tm="50000">
+                                          <p:val>
+                                            <p:clrVal>
+                                              <a:schemeClr val="hlink"/>
+                                            </p:clrVal>
+                                          </p:val>
+                                        </p:tav>
+                                      </p:tavLst>
+                                    </p:anim>
+                                    <p:set>
+                                      <p:cBhvr>
+                                        <p:cTn id="35" dur="80"/>
+                                        <p:tgtEl>
+                                          <p:spTgt spid="88">
+                                            <p:txEl>
+                                              <p:pRg st="2" end="2"/>
+                                            </p:txEl>
+                                          </p:spTgt>
+                                        </p:tgtEl>
+                                        <p:attrNameLst>
+                                          <p:attrName>fill.type</p:attrName>
+                                        </p:attrNameLst>
+                                      </p:cBhvr>
+                                      <p:to>
+                                        <p:strVal val="solid"/>
+                                      </p:to>
+                                    </p:set>
+                                  </p:childTnLst>
+                                </p:cTn>
+                              </p:par>
+                            </p:childTnLst>
+                          </p:cTn>
+                        </p:par>
+                        <p:par>
+                          <p:cTn id="36" fill="hold">
+                            <p:stCondLst>
+                              <p:cond delay="920"/>
+                            </p:stCondLst>
+                            <p:childTnLst>
+                              <p:par>
+                                <p:cTn id="37" presetID="27" presetClass="entr" presetSubtype="0" fill="hold" nodeType="afterEffect">
+                                  <p:stCondLst>
+                                    <p:cond delay="0"/>
+                                  </p:stCondLst>
+                                  <p:iterate type="lt">
+                                    <p:tmPct val="50000"/>
+                                  </p:iterate>
+                                  <p:childTnLst>
+                                    <p:set>
+                                      <p:cBhvr>
+                                        <p:cTn id="38" dur="1" fill="hold">
+                                          <p:stCondLst>
+                                            <p:cond delay="0"/>
+                                          </p:stCondLst>
+                                        </p:cTn>
+                                        <p:tgtEl>
+                                          <p:spTgt spid="2">
+                                            <p:txEl>
+                                              <p:pRg st="3" end="3"/>
+                                            </p:txEl>
+                                          </p:spTgt>
+                                        </p:tgtEl>
+                                        <p:attrNameLst>
+                                          <p:attrName>style.visibility</p:attrName>
+                                        </p:attrNameLst>
+                                      </p:cBhvr>
+                                      <p:to>
+                                        <p:strVal val="visible"/>
+                                      </p:to>
+                                    </p:set>
+                                    <p:anim calcmode="discrete" valueType="clr">
+                                      <p:cBhvr override="childStyle">
+                                        <p:cTn id="39" dur="80"/>
+                                        <p:tgtEl>
+                                          <p:spTgt spid="2">
+                                            <p:txEl>
+                                              <p:pRg st="3" end="3"/>
+                                            </p:txEl>
+                                          </p:spTgt>
+                                        </p:tgtEl>
+                                        <p:attrNameLst>
+                                          <p:attrName>style.color</p:attrName>
+                                        </p:attrNameLst>
+                                      </p:cBhvr>
+                                      <p:tavLst>
+                                        <p:tav tm="0">
+                                          <p:val>
+                                            <p:clrVal>
+                                              <a:schemeClr val="accent2"/>
+                                            </p:clrVal>
+                                          </p:val>
+                                        </p:tav>
+                                        <p:tav tm="50000">
+                                          <p:val>
+                                            <p:clrVal>
+                                              <a:schemeClr val="hlink"/>
+                                            </p:clrVal>
+                                          </p:val>
+                                        </p:tav>
+                                      </p:tavLst>
+                                    </p:anim>
+                                    <p:anim calcmode="discrete" valueType="clr">
+                                      <p:cBhvr>
+                                        <p:cTn id="40" dur="80"/>
+                                        <p:tgtEl>
+                                          <p:spTgt spid="2">
+                                            <p:txEl>
+                                              <p:pRg st="3" end="3"/>
+                                            </p:txEl>
+                                          </p:spTgt>
+                                        </p:tgtEl>
+                                        <p:attrNameLst>
+                                          <p:attrName>fillcolor</p:attrName>
+                                        </p:attrNameLst>
+                                      </p:cBhvr>
+                                      <p:tavLst>
+                                        <p:tav tm="0">
+                                          <p:val>
+                                            <p:clrVal>
+                                              <a:schemeClr val="accent2"/>
+                                            </p:clrVal>
+                                          </p:val>
+                                        </p:tav>
+                                        <p:tav tm="50000">
+                                          <p:val>
+                                            <p:clrVal>
+                                              <a:schemeClr val="hlink"/>
+                                            </p:clrVal>
+                                          </p:val>
+                                        </p:tav>
+                                      </p:tavLst>
+                                    </p:anim>
+                                    <p:set>
+                                      <p:cBhvr>
+                                        <p:cTn id="41" dur="80"/>
+                                        <p:tgtEl>
+                                          <p:spTgt spid="2">
+                                            <p:txEl>
+                                              <p:pRg st="3" end="3"/>
+                                            </p:txEl>
+                                          </p:spTgt>
+                                        </p:tgtEl>
+                                        <p:attrNameLst>
+                                          <p:attrName>fill.type</p:attrName>
+                                        </p:attrNameLst>
+                                      </p:cBhvr>
+                                      <p:to>
+                                        <p:strVal val="solid"/>
+                                      </p:to>
+                                    </p:set>
+                                  </p:childTnLst>
+                                </p:cTn>
+                              </p:par>
+                            </p:childTnLst>
+                          </p:cTn>
+                        </p:par>
+                        <p:par>
+                          <p:cTn id="42" fill="hold">
+                            <p:stCondLst>
+                              <p:cond delay="1120"/>
+                            </p:stCondLst>
+                            <p:childTnLst>
+                              <p:par>
+                                <p:cTn id="43" presetID="27" presetClass="entr" presetSubtype="0" fill="hold" nodeType="afterEffect">
+                                  <p:stCondLst>
+                                    <p:cond delay="0"/>
+                                  </p:stCondLst>
+                                  <p:iterate type="lt">
+                                    <p:tmPct val="50000"/>
+                                  </p:iterate>
+                                  <p:childTnLst>
+                                    <p:set>
+                                      <p:cBhvr>
+                                        <p:cTn id="44" dur="1" fill="hold">
+                                          <p:stCondLst>
+                                            <p:cond delay="0"/>
+                                          </p:stCondLst>
+                                        </p:cTn>
+                                        <p:tgtEl>
+                                          <p:spTgt spid="2">
+                                            <p:txEl>
+                                              <p:pRg st="4" end="4"/>
+                                            </p:txEl>
+                                          </p:spTgt>
+                                        </p:tgtEl>
+                                        <p:attrNameLst>
+                                          <p:attrName>style.visibility</p:attrName>
+                                        </p:attrNameLst>
+                                      </p:cBhvr>
+                                      <p:to>
+                                        <p:strVal val="visible"/>
+                                      </p:to>
+                                    </p:set>
+                                    <p:anim calcmode="discrete" valueType="clr">
+                                      <p:cBhvr override="childStyle">
+                                        <p:cTn id="45" dur="80"/>
+                                        <p:tgtEl>
+                                          <p:spTgt spid="2">
+                                            <p:txEl>
+                                              <p:pRg st="4" end="4"/>
+                                            </p:txEl>
+                                          </p:spTgt>
+                                        </p:tgtEl>
+                                        <p:attrNameLst>
+                                          <p:attrName>style.color</p:attrName>
+                                        </p:attrNameLst>
+                                      </p:cBhvr>
+                                      <p:tavLst>
+                                        <p:tav tm="0">
+                                          <p:val>
+                                            <p:clrVal>
+                                              <a:schemeClr val="accent2"/>
+                                            </p:clrVal>
+                                          </p:val>
+                                        </p:tav>
+                                        <p:tav tm="50000">
+                                          <p:val>
+                                            <p:clrVal>
+                                              <a:schemeClr val="hlink"/>
+                                            </p:clrVal>
+                                          </p:val>
+                                        </p:tav>
+                                      </p:tavLst>
+                                    </p:anim>
+                                    <p:anim calcmode="discrete" valueType="clr">
+                                      <p:cBhvr>
+                                        <p:cTn id="46" dur="80"/>
+                                        <p:tgtEl>
+                                          <p:spTgt spid="2">
+                                            <p:txEl>
+                                              <p:pRg st="4" end="4"/>
+                                            </p:txEl>
+                                          </p:spTgt>
+                                        </p:tgtEl>
+                                        <p:attrNameLst>
+                                          <p:attrName>fillcolor</p:attrName>
+                                        </p:attrNameLst>
+                                      </p:cBhvr>
+                                      <p:tavLst>
+                                        <p:tav tm="0">
+                                          <p:val>
+                                            <p:clrVal>
+                                              <a:schemeClr val="accent2"/>
+                                            </p:clrVal>
+                                          </p:val>
+                                        </p:tav>
+                                        <p:tav tm="50000">
+                                          <p:val>
+                                            <p:clrVal>
+                                              <a:schemeClr val="hlink"/>
+                                            </p:clrVal>
+                                          </p:val>
+                                        </p:tav>
+                                      </p:tavLst>
+                                    </p:anim>
+                                    <p:set>
+                                      <p:cBhvr>
+                                        <p:cTn id="47" dur="80"/>
+                                        <p:tgtEl>
+                                          <p:spTgt spid="2">
+                                            <p:txEl>
+                                              <p:pRg st="4" end="4"/>
+                                            </p:txEl>
+                                          </p:spTgt>
+                                        </p:tgtEl>
+                                        <p:attrNameLst>
+                                          <p:attrName>fill.type</p:attrName>
+                                        </p:attrNameLst>
+                                      </p:cBhvr>
+                                      <p:to>
+                                        <p:strVal val="solid"/>
+                                      </p:to>
+                                    </p:set>
+                                  </p:childTnLst>
+                                </p:cTn>
+                              </p:par>
+                            </p:childTnLst>
+                          </p:cTn>
+                        </p:par>
+                        <p:par>
+                          <p:cTn id="48" fill="hold">
+                            <p:stCondLst>
+                              <p:cond delay="2560"/>
+                            </p:stCondLst>
+                            <p:childTnLst>
+                              <p:par>
+                                <p:cTn id="49" presetID="27" presetClass="entr" presetSubtype="0" fill="hold" nodeType="afterEffect">
+                                  <p:stCondLst>
+                                    <p:cond delay="0"/>
+                                  </p:stCondLst>
+                                  <p:iterate type="lt">
+                                    <p:tmPct val="50000"/>
+                                  </p:iterate>
+                                  <p:childTnLst>
+                                    <p:set>
+                                      <p:cBhvr>
+                                        <p:cTn id="50" dur="1" fill="hold">
+                                          <p:stCondLst>
+                                            <p:cond delay="0"/>
+                                          </p:stCondLst>
+                                        </p:cTn>
+                                        <p:tgtEl>
+                                          <p:spTgt spid="2">
+                                            <p:txEl>
+                                              <p:pRg st="19" end="19"/>
+                                            </p:txEl>
+                                          </p:spTgt>
+                                        </p:tgtEl>
+                                        <p:attrNameLst>
+                                          <p:attrName>style.visibility</p:attrName>
+                                        </p:attrNameLst>
+                                      </p:cBhvr>
+                                      <p:to>
+                                        <p:strVal val="visible"/>
+                                      </p:to>
+                                    </p:set>
+                                    <p:anim calcmode="discrete" valueType="clr">
+                                      <p:cBhvr override="childStyle">
+                                        <p:cTn id="51" dur="80"/>
+                                        <p:tgtEl>
+                                          <p:spTgt spid="2">
+                                            <p:txEl>
+                                              <p:pRg st="19" end="19"/>
+                                            </p:txEl>
+                                          </p:spTgt>
+                                        </p:tgtEl>
+                                        <p:attrNameLst>
+                                          <p:attrName>style.color</p:attrName>
+                                        </p:attrNameLst>
+                                      </p:cBhvr>
+                                      <p:tavLst>
+                                        <p:tav tm="0">
+                                          <p:val>
+                                            <p:clrVal>
+                                              <a:schemeClr val="accent2"/>
+                                            </p:clrVal>
+                                          </p:val>
+                                        </p:tav>
+                                        <p:tav tm="50000">
+                                          <p:val>
+                                            <p:clrVal>
+                                              <a:schemeClr val="hlink"/>
+                                            </p:clrVal>
+                                          </p:val>
+                                        </p:tav>
+                                      </p:tavLst>
+                                    </p:anim>
+                                    <p:anim calcmode="discrete" valueType="clr">
+                                      <p:cBhvr>
+                                        <p:cTn id="52" dur="80"/>
+                                        <p:tgtEl>
+                                          <p:spTgt spid="2">
+                                            <p:txEl>
+                                              <p:pRg st="19" end="19"/>
+                                            </p:txEl>
+                                          </p:spTgt>
+                                        </p:tgtEl>
+                                        <p:attrNameLst>
+                                          <p:attrName>fillcolor</p:attrName>
+                                        </p:attrNameLst>
+                                      </p:cBhvr>
+                                      <p:tavLst>
+                                        <p:tav tm="0">
+                                          <p:val>
+                                            <p:clrVal>
+                                              <a:schemeClr val="accent2"/>
+                                            </p:clrVal>
+                                          </p:val>
+                                        </p:tav>
+                                        <p:tav tm="50000">
+                                          <p:val>
+                                            <p:clrVal>
+                                              <a:schemeClr val="hlink"/>
+                                            </p:clrVal>
+                                          </p:val>
+                                        </p:tav>
+                                      </p:tavLst>
+                                    </p:anim>
+                                    <p:set>
+                                      <p:cBhvr>
+                                        <p:cTn id="53" dur="80"/>
+                                        <p:tgtEl>
+                                          <p:spTgt spid="2">
+                                            <p:txEl>
+                                              <p:pRg st="19" end="19"/>
+                                            </p:txEl>
+                                          </p:spTgt>
+                                        </p:tgtEl>
+                                        <p:attrNameLst>
+                                          <p:attrName>fill.type</p:attrName>
+                                        </p:attrNameLst>
+                                      </p:cBhvr>
+                                      <p:to>
+                                        <p:strVal val="solid"/>
+                                      </p:to>
+                                    </p:set>
+                                  </p:childTnLst>
+                                </p:cTn>
+                              </p:par>
+                            </p:childTnLst>
+                          </p:cTn>
+                        </p:par>
+                      </p:childTnLst>
+                    </p:cTn>
+                  </p:par>
+                  <p:par>
+                    <p:cTn id="54" fill="hold">
+                      <p:stCondLst>
+                        <p:cond delay="indefinite"/>
+                      </p:stCondLst>
+                      <p:childTnLst>
+                        <p:par>
+                          <p:cTn id="55" fill="hold">
+                            <p:stCondLst>
+                              <p:cond delay="0"/>
+                            </p:stCondLst>
+                            <p:childTnLst>
+                              <p:par>
+                                <p:cTn id="56" presetID="27" presetClass="entr" presetSubtype="0" fill="hold" nodeType="clickEffect">
+                                  <p:stCondLst>
+                                    <p:cond delay="0"/>
+                                  </p:stCondLst>
+                                  <p:iterate type="lt">
+                                    <p:tmPct val="50000"/>
+                                  </p:iterate>
+                                  <p:childTnLst>
+                                    <p:set>
+                                      <p:cBhvr>
+                                        <p:cTn id="57" dur="1" fill="hold">
+                                          <p:stCondLst>
+                                            <p:cond delay="0"/>
+                                          </p:stCondLst>
+                                        </p:cTn>
+                                        <p:tgtEl>
+                                          <p:spTgt spid="88">
+                                            <p:txEl>
+                                              <p:pRg st="3" end="3"/>
+                                            </p:txEl>
+                                          </p:spTgt>
+                                        </p:tgtEl>
+                                        <p:attrNameLst>
+                                          <p:attrName>style.visibility</p:attrName>
+                                        </p:attrNameLst>
+                                      </p:cBhvr>
+                                      <p:to>
+                                        <p:strVal val="visible"/>
+                                      </p:to>
+                                    </p:set>
+                                    <p:anim calcmode="discrete" valueType="clr">
+                                      <p:cBhvr override="childStyle">
+                                        <p:cTn id="58" dur="80"/>
+                                        <p:tgtEl>
+                                          <p:spTgt spid="88">
+                                            <p:txEl>
+                                              <p:pRg st="3" end="3"/>
+                                            </p:txEl>
+                                          </p:spTgt>
+                                        </p:tgtEl>
+                                        <p:attrNameLst>
+                                          <p:attrName>style.color</p:attrName>
+                                        </p:attrNameLst>
+                                      </p:cBhvr>
+                                      <p:tavLst>
+                                        <p:tav tm="0">
+                                          <p:val>
+                                            <p:clrVal>
+                                              <a:schemeClr val="accent2"/>
+                                            </p:clrVal>
+                                          </p:val>
+                                        </p:tav>
+                                        <p:tav tm="50000">
+                                          <p:val>
+                                            <p:clrVal>
+                                              <a:schemeClr val="hlink"/>
+                                            </p:clrVal>
+                                          </p:val>
+                                        </p:tav>
+                                      </p:tavLst>
+                                    </p:anim>
+                                    <p:anim calcmode="discrete" valueType="clr">
+                                      <p:cBhvr>
+                                        <p:cTn id="59" dur="80"/>
+                                        <p:tgtEl>
+                                          <p:spTgt spid="88">
+                                            <p:txEl>
+                                              <p:pRg st="3" end="3"/>
+                                            </p:txEl>
+                                          </p:spTgt>
+                                        </p:tgtEl>
+                                        <p:attrNameLst>
+                                          <p:attrName>fillcolor</p:attrName>
+                                        </p:attrNameLst>
+                                      </p:cBhvr>
+                                      <p:tavLst>
+                                        <p:tav tm="0">
+                                          <p:val>
+                                            <p:clrVal>
+                                              <a:schemeClr val="accent2"/>
+                                            </p:clrVal>
+                                          </p:val>
+                                        </p:tav>
+                                        <p:tav tm="50000">
+                                          <p:val>
+                                            <p:clrVal>
+                                              <a:schemeClr val="hlink"/>
+                                            </p:clrVal>
+                                          </p:val>
+                                        </p:tav>
+                                      </p:tavLst>
+                                    </p:anim>
+                                    <p:set>
+                                      <p:cBhvr>
+                                        <p:cTn id="60" dur="80"/>
+                                        <p:tgtEl>
+                                          <p:spTgt spid="88">
+                                            <p:txEl>
+                                              <p:pRg st="3" end="3"/>
+                                            </p:txEl>
+                                          </p:spTgt>
+                                        </p:tgtEl>
+                                        <p:attrNameLst>
+                                          <p:attrName>fill.type</p:attrName>
+                                        </p:attrNameLst>
+                                      </p:cBhvr>
+                                      <p:to>
+                                        <p:strVal val="solid"/>
+                                      </p:to>
+                                    </p:set>
+                                  </p:childTnLst>
+                                </p:cTn>
+                              </p:par>
+                            </p:childTnLst>
+                          </p:cTn>
+                        </p:par>
+                        <p:par>
+                          <p:cTn id="61" fill="hold">
+                            <p:stCondLst>
+                              <p:cond delay="960"/>
+                            </p:stCondLst>
+                            <p:childTnLst>
+                              <p:par>
+                                <p:cTn id="62" presetID="27" presetClass="entr" presetSubtype="0" fill="hold" nodeType="afterEffect">
+                                  <p:stCondLst>
+                                    <p:cond delay="0"/>
+                                  </p:stCondLst>
+                                  <p:iterate type="lt">
+                                    <p:tmPct val="50000"/>
+                                  </p:iterate>
+                                  <p:childTnLst>
+                                    <p:set>
+                                      <p:cBhvr>
+                                        <p:cTn id="63" dur="1" fill="hold">
+                                          <p:stCondLst>
+                                            <p:cond delay="0"/>
+                                          </p:stCondLst>
+                                        </p:cTn>
+                                        <p:tgtEl>
+                                          <p:spTgt spid="2">
+                                            <p:txEl>
+                                              <p:pRg st="2" end="2"/>
+                                            </p:txEl>
+                                          </p:spTgt>
+                                        </p:tgtEl>
+                                        <p:attrNameLst>
+                                          <p:attrName>style.visibility</p:attrName>
+                                        </p:attrNameLst>
+                                      </p:cBhvr>
+                                      <p:to>
+                                        <p:strVal val="visible"/>
+                                      </p:to>
+                                    </p:set>
+                                    <p:anim calcmode="discrete" valueType="clr">
+                                      <p:cBhvr override="childStyle">
+                                        <p:cTn id="64" dur="80"/>
+                                        <p:tgtEl>
+                                          <p:spTgt spid="2">
+                                            <p:txEl>
+                                              <p:pRg st="2" end="2"/>
+                                            </p:txEl>
+                                          </p:spTgt>
+                                        </p:tgtEl>
+                                        <p:attrNameLst>
+                                          <p:attrName>style.color</p:attrName>
+                                        </p:attrNameLst>
+                                      </p:cBhvr>
+                                      <p:tavLst>
+                                        <p:tav tm="0">
+                                          <p:val>
+                                            <p:clrVal>
+                                              <a:schemeClr val="accent2"/>
+                                            </p:clrVal>
+                                          </p:val>
+                                        </p:tav>
+                                        <p:tav tm="50000">
+                                          <p:val>
+                                            <p:clrVal>
+                                              <a:schemeClr val="hlink"/>
+                                            </p:clrVal>
+                                          </p:val>
+                                        </p:tav>
+                                      </p:tavLst>
+                                    </p:anim>
+                                    <p:anim calcmode="discrete" valueType="clr">
+                                      <p:cBhvr>
+                                        <p:cTn id="65" dur="80"/>
+                                        <p:tgtEl>
+                                          <p:spTgt spid="2">
+                                            <p:txEl>
+                                              <p:pRg st="2" end="2"/>
+                                            </p:txEl>
+                                          </p:spTgt>
+                                        </p:tgtEl>
+                                        <p:attrNameLst>
+                                          <p:attrName>fillcolor</p:attrName>
+                                        </p:attrNameLst>
+                                      </p:cBhvr>
+                                      <p:tavLst>
+                                        <p:tav tm="0">
+                                          <p:val>
+                                            <p:clrVal>
+                                              <a:schemeClr val="accent2"/>
+                                            </p:clrVal>
+                                          </p:val>
+                                        </p:tav>
+                                        <p:tav tm="50000">
+                                          <p:val>
+                                            <p:clrVal>
+                                              <a:schemeClr val="hlink"/>
+                                            </p:clrVal>
+                                          </p:val>
+                                        </p:tav>
+                                      </p:tavLst>
+                                    </p:anim>
+                                    <p:set>
+                                      <p:cBhvr>
+                                        <p:cTn id="66" dur="80"/>
+                                        <p:tgtEl>
+                                          <p:spTgt spid="2">
+                                            <p:txEl>
+                                              <p:pRg st="2" end="2"/>
+                                            </p:txEl>
+                                          </p:spTgt>
+                                        </p:tgtEl>
+                                        <p:attrNameLst>
+                                          <p:attrName>fill.type</p:attrName>
+                                        </p:attrNameLst>
+                                      </p:cBhvr>
+                                      <p:to>
+                                        <p:strVal val="solid"/>
+                                      </p:to>
+                                    </p:set>
+                                  </p:childTnLst>
+                                </p:cTn>
+                              </p:par>
+                            </p:childTnLst>
+                          </p:cTn>
+                        </p:par>
+                        <p:par>
+                          <p:cTn id="67" fill="hold">
+                            <p:stCondLst>
+                              <p:cond delay="2400"/>
+                            </p:stCondLst>
+                            <p:childTnLst>
+                              <p:par>
+                                <p:cTn id="68" presetID="27" presetClass="entr" presetSubtype="0" fill="hold" nodeType="afterEffect">
+                                  <p:stCondLst>
+                                    <p:cond delay="0"/>
+                                  </p:stCondLst>
+                                  <p:iterate type="lt">
+                                    <p:tmPct val="50000"/>
+                                  </p:iterate>
+                                  <p:childTnLst>
+                                    <p:set>
+                                      <p:cBhvr>
+                                        <p:cTn id="69" dur="1" fill="hold">
+                                          <p:stCondLst>
+                                            <p:cond delay="0"/>
+                                          </p:stCondLst>
+                                        </p:cTn>
+                                        <p:tgtEl>
+                                          <p:spTgt spid="2">
+                                            <p:txEl>
+                                              <p:pRg st="5" end="5"/>
+                                            </p:txEl>
+                                          </p:spTgt>
+                                        </p:tgtEl>
+                                        <p:attrNameLst>
+                                          <p:attrName>style.visibility</p:attrName>
+                                        </p:attrNameLst>
+                                      </p:cBhvr>
+                                      <p:to>
+                                        <p:strVal val="visible"/>
+                                      </p:to>
+                                    </p:set>
+                                    <p:anim calcmode="discrete" valueType="clr">
+                                      <p:cBhvr override="childStyle">
+                                        <p:cTn id="70" dur="80"/>
+                                        <p:tgtEl>
+                                          <p:spTgt spid="2">
+                                            <p:txEl>
+                                              <p:pRg st="5" end="5"/>
+                                            </p:txEl>
+                                          </p:spTgt>
+                                        </p:tgtEl>
+                                        <p:attrNameLst>
+                                          <p:attrName>style.color</p:attrName>
+                                        </p:attrNameLst>
+                                      </p:cBhvr>
+                                      <p:tavLst>
+                                        <p:tav tm="0">
+                                          <p:val>
+                                            <p:clrVal>
+                                              <a:schemeClr val="accent2"/>
+                                            </p:clrVal>
+                                          </p:val>
+                                        </p:tav>
+                                        <p:tav tm="50000">
+                                          <p:val>
+                                            <p:clrVal>
+                                              <a:schemeClr val="hlink"/>
+                                            </p:clrVal>
+                                          </p:val>
+                                        </p:tav>
+                                      </p:tavLst>
+                                    </p:anim>
+                                    <p:anim calcmode="discrete" valueType="clr">
+                                      <p:cBhvr>
+                                        <p:cTn id="71" dur="80"/>
+                                        <p:tgtEl>
+                                          <p:spTgt spid="2">
+                                            <p:txEl>
+                                              <p:pRg st="5" end="5"/>
+                                            </p:txEl>
+                                          </p:spTgt>
+                                        </p:tgtEl>
+                                        <p:attrNameLst>
+                                          <p:attrName>fillcolor</p:attrName>
+                                        </p:attrNameLst>
+                                      </p:cBhvr>
+                                      <p:tavLst>
+                                        <p:tav tm="0">
+                                          <p:val>
+                                            <p:clrVal>
+                                              <a:schemeClr val="accent2"/>
+                                            </p:clrVal>
+                                          </p:val>
+                                        </p:tav>
+                                        <p:tav tm="50000">
+                                          <p:val>
+                                            <p:clrVal>
+                                              <a:schemeClr val="hlink"/>
+                                            </p:clrVal>
+                                          </p:val>
+                                        </p:tav>
+                                      </p:tavLst>
+                                    </p:anim>
+                                    <p:set>
+                                      <p:cBhvr>
+                                        <p:cTn id="72" dur="80"/>
+                                        <p:tgtEl>
+                                          <p:spTgt spid="2">
+                                            <p:txEl>
+                                              <p:pRg st="5" end="5"/>
+                                            </p:txEl>
+                                          </p:spTgt>
+                                        </p:tgtEl>
+                                        <p:attrNameLst>
+                                          <p:attrName>fill.type</p:attrName>
+                                        </p:attrNameLst>
+                                      </p:cBhvr>
+                                      <p:to>
+                                        <p:strVal val="solid"/>
+                                      </p:to>
+                                    </p:set>
+                                  </p:childTnLst>
+                                </p:cTn>
+                              </p:par>
+                            </p:childTnLst>
+                          </p:cTn>
+                        </p:par>
+                      </p:childTnLst>
+                    </p:cTn>
+                  </p:par>
+                  <p:par>
+                    <p:cTn id="73" fill="hold">
+                      <p:stCondLst>
+                        <p:cond delay="indefinite"/>
+                      </p:stCondLst>
+                      <p:childTnLst>
+                        <p:par>
+                          <p:cTn id="74" fill="hold">
+                            <p:stCondLst>
+                              <p:cond delay="0"/>
+                            </p:stCondLst>
+                            <p:childTnLst>
+                              <p:par>
+                                <p:cTn id="75" presetID="27" presetClass="entr" presetSubtype="0" fill="hold" nodeType="clickEffect">
+                                  <p:stCondLst>
+                                    <p:cond delay="0"/>
+                                  </p:stCondLst>
+                                  <p:iterate type="lt">
+                                    <p:tmPct val="50000"/>
+                                  </p:iterate>
+                                  <p:childTnLst>
+                                    <p:set>
+                                      <p:cBhvr>
+                                        <p:cTn id="76" dur="1" fill="hold">
+                                          <p:stCondLst>
+                                            <p:cond delay="0"/>
+                                          </p:stCondLst>
+                                        </p:cTn>
+                                        <p:tgtEl>
+                                          <p:spTgt spid="88">
+                                            <p:txEl>
+                                              <p:pRg st="4" end="4"/>
+                                            </p:txEl>
+                                          </p:spTgt>
+                                        </p:tgtEl>
+                                        <p:attrNameLst>
+                                          <p:attrName>style.visibility</p:attrName>
+                                        </p:attrNameLst>
+                                      </p:cBhvr>
+                                      <p:to>
+                                        <p:strVal val="visible"/>
+                                      </p:to>
+                                    </p:set>
+                                    <p:anim calcmode="discrete" valueType="clr">
+                                      <p:cBhvr override="childStyle">
+                                        <p:cTn id="77" dur="80"/>
+                                        <p:tgtEl>
+                                          <p:spTgt spid="88">
+                                            <p:txEl>
+                                              <p:pRg st="4" end="4"/>
+                                            </p:txEl>
+                                          </p:spTgt>
+                                        </p:tgtEl>
+                                        <p:attrNameLst>
+                                          <p:attrName>style.color</p:attrName>
+                                        </p:attrNameLst>
+                                      </p:cBhvr>
+                                      <p:tavLst>
+                                        <p:tav tm="0">
+                                          <p:val>
+                                            <p:clrVal>
+                                              <a:schemeClr val="accent2"/>
+                                            </p:clrVal>
+                                          </p:val>
+                                        </p:tav>
+                                        <p:tav tm="50000">
+                                          <p:val>
+                                            <p:clrVal>
+                                              <a:schemeClr val="hlink"/>
+                                            </p:clrVal>
+                                          </p:val>
+                                        </p:tav>
+                                      </p:tavLst>
+                                    </p:anim>
+                                    <p:anim calcmode="discrete" valueType="clr">
+                                      <p:cBhvr>
+                                        <p:cTn id="78" dur="80"/>
+                                        <p:tgtEl>
+                                          <p:spTgt spid="88">
+                                            <p:txEl>
+                                              <p:pRg st="4" end="4"/>
+                                            </p:txEl>
+                                          </p:spTgt>
+                                        </p:tgtEl>
+                                        <p:attrNameLst>
+                                          <p:attrName>fillcolor</p:attrName>
+                                        </p:attrNameLst>
+                                      </p:cBhvr>
+                                      <p:tavLst>
+                                        <p:tav tm="0">
+                                          <p:val>
+                                            <p:clrVal>
+                                              <a:schemeClr val="accent2"/>
+                                            </p:clrVal>
+                                          </p:val>
+                                        </p:tav>
+                                        <p:tav tm="50000">
+                                          <p:val>
+                                            <p:clrVal>
+                                              <a:schemeClr val="hlink"/>
+                                            </p:clrVal>
+                                          </p:val>
+                                        </p:tav>
+                                      </p:tavLst>
+                                    </p:anim>
+                                    <p:set>
+                                      <p:cBhvr>
+                                        <p:cTn id="79" dur="80"/>
+                                        <p:tgtEl>
+                                          <p:spTgt spid="88">
+                                            <p:txEl>
+                                              <p:pRg st="4" end="4"/>
+                                            </p:txEl>
+                                          </p:spTgt>
+                                        </p:tgtEl>
+                                        <p:attrNameLst>
+                                          <p:attrName>fill.type</p:attrName>
+                                        </p:attrNameLst>
+                                      </p:cBhvr>
+                                      <p:to>
+                                        <p:strVal val="solid"/>
+                                      </p:to>
+                                    </p:set>
+                                  </p:childTnLst>
+                                </p:cTn>
+                              </p:par>
+                            </p:childTnLst>
+                          </p:cTn>
+                        </p:par>
+                      </p:childTnLst>
+                    </p:cTn>
+                  </p:par>
+                  <p:par>
+                    <p:cTn id="80" fill="hold">
+                      <p:stCondLst>
+                        <p:cond delay="indefinite"/>
+                      </p:stCondLst>
+                      <p:childTnLst>
+                        <p:par>
+                          <p:cTn id="81" fill="hold">
+                            <p:stCondLst>
+                              <p:cond delay="0"/>
+                            </p:stCondLst>
+                            <p:childTnLst>
+                              <p:par>
+                                <p:cTn id="82" presetID="27" presetClass="entr" presetSubtype="0" fill="hold" nodeType="clickEffect">
+                                  <p:stCondLst>
+                                    <p:cond delay="0"/>
+                                  </p:stCondLst>
+                                  <p:iterate type="lt">
+                                    <p:tmPct val="50000"/>
+                                  </p:iterate>
+                                  <p:childTnLst>
+                                    <p:set>
+                                      <p:cBhvr>
+                                        <p:cTn id="83" dur="1" fill="hold">
+                                          <p:stCondLst>
+                                            <p:cond delay="0"/>
+                                          </p:stCondLst>
+                                        </p:cTn>
+                                        <p:tgtEl>
+                                          <p:spTgt spid="2">
+                                            <p:txEl>
+                                              <p:pRg st="7" end="7"/>
+                                            </p:txEl>
+                                          </p:spTgt>
+                                        </p:tgtEl>
+                                        <p:attrNameLst>
+                                          <p:attrName>style.visibility</p:attrName>
+                                        </p:attrNameLst>
+                                      </p:cBhvr>
+                                      <p:to>
+                                        <p:strVal val="visible"/>
+                                      </p:to>
+                                    </p:set>
+                                    <p:anim calcmode="discrete" valueType="clr">
+                                      <p:cBhvr override="childStyle">
+                                        <p:cTn id="84" dur="80"/>
+                                        <p:tgtEl>
+                                          <p:spTgt spid="2">
+                                            <p:txEl>
+                                              <p:pRg st="7" end="7"/>
+                                            </p:txEl>
+                                          </p:spTgt>
+                                        </p:tgtEl>
+                                        <p:attrNameLst>
+                                          <p:attrName>style.color</p:attrName>
+                                        </p:attrNameLst>
+                                      </p:cBhvr>
+                                      <p:tavLst>
+                                        <p:tav tm="0">
+                                          <p:val>
+                                            <p:clrVal>
+                                              <a:schemeClr val="accent2"/>
+                                            </p:clrVal>
+                                          </p:val>
+                                        </p:tav>
+                                        <p:tav tm="50000">
+                                          <p:val>
+                                            <p:clrVal>
+                                              <a:schemeClr val="hlink"/>
+                                            </p:clrVal>
+                                          </p:val>
+                                        </p:tav>
+                                      </p:tavLst>
+                                    </p:anim>
+                                    <p:anim calcmode="discrete" valueType="clr">
+                                      <p:cBhvr>
+                                        <p:cTn id="85" dur="80"/>
+                                        <p:tgtEl>
+                                          <p:spTgt spid="2">
+                                            <p:txEl>
+                                              <p:pRg st="7" end="7"/>
+                                            </p:txEl>
+                                          </p:spTgt>
+                                        </p:tgtEl>
+                                        <p:attrNameLst>
+                                          <p:attrName>fillcolor</p:attrName>
+                                        </p:attrNameLst>
+                                      </p:cBhvr>
+                                      <p:tavLst>
+                                        <p:tav tm="0">
+                                          <p:val>
+                                            <p:clrVal>
+                                              <a:schemeClr val="accent2"/>
+                                            </p:clrVal>
+                                          </p:val>
+                                        </p:tav>
+                                        <p:tav tm="50000">
+                                          <p:val>
+                                            <p:clrVal>
+                                              <a:schemeClr val="hlink"/>
+                                            </p:clrVal>
+                                          </p:val>
+                                        </p:tav>
+                                      </p:tavLst>
+                                    </p:anim>
+                                    <p:set>
+                                      <p:cBhvr>
+                                        <p:cTn id="86" dur="80"/>
+                                        <p:tgtEl>
+                                          <p:spTgt spid="2">
+                                            <p:txEl>
+                                              <p:pRg st="7" end="7"/>
+                                            </p:txEl>
+                                          </p:spTgt>
+                                        </p:tgtEl>
+                                        <p:attrNameLst>
+                                          <p:attrName>fill.type</p:attrName>
+                                        </p:attrNameLst>
+                                      </p:cBhvr>
+                                      <p:to>
+                                        <p:strVal val="solid"/>
+                                      </p:to>
+                                    </p:set>
+                                  </p:childTnLst>
+                                </p:cTn>
+                              </p:par>
+                            </p:childTnLst>
+                          </p:cTn>
+                        </p:par>
+                        <p:par>
+                          <p:cTn id="87" fill="hold">
+                            <p:stCondLst>
+                              <p:cond delay="1160"/>
+                            </p:stCondLst>
+                            <p:childTnLst>
+                              <p:par>
+                                <p:cTn id="88" presetID="27" presetClass="entr" presetSubtype="0" fill="hold" nodeType="afterEffect">
+                                  <p:stCondLst>
+                                    <p:cond delay="0"/>
+                                  </p:stCondLst>
+                                  <p:iterate type="lt">
+                                    <p:tmPct val="50000"/>
+                                  </p:iterate>
+                                  <p:childTnLst>
+                                    <p:set>
+                                      <p:cBhvr>
+                                        <p:cTn id="89" dur="1" fill="hold">
+                                          <p:stCondLst>
+                                            <p:cond delay="0"/>
+                                          </p:stCondLst>
+                                        </p:cTn>
+                                        <p:tgtEl>
+                                          <p:spTgt spid="2">
+                                            <p:txEl>
+                                              <p:pRg st="8" end="8"/>
+                                            </p:txEl>
+                                          </p:spTgt>
+                                        </p:tgtEl>
+                                        <p:attrNameLst>
+                                          <p:attrName>style.visibility</p:attrName>
+                                        </p:attrNameLst>
+                                      </p:cBhvr>
+                                      <p:to>
+                                        <p:strVal val="visible"/>
+                                      </p:to>
+                                    </p:set>
+                                    <p:anim calcmode="discrete" valueType="clr">
+                                      <p:cBhvr override="childStyle">
+                                        <p:cTn id="90" dur="80"/>
+                                        <p:tgtEl>
+                                          <p:spTgt spid="2">
+                                            <p:txEl>
+                                              <p:pRg st="8" end="8"/>
+                                            </p:txEl>
+                                          </p:spTgt>
+                                        </p:tgtEl>
+                                        <p:attrNameLst>
+                                          <p:attrName>style.color</p:attrName>
+                                        </p:attrNameLst>
+                                      </p:cBhvr>
+                                      <p:tavLst>
+                                        <p:tav tm="0">
+                                          <p:val>
+                                            <p:clrVal>
+                                              <a:schemeClr val="accent2"/>
+                                            </p:clrVal>
+                                          </p:val>
+                                        </p:tav>
+                                        <p:tav tm="50000">
+                                          <p:val>
+                                            <p:clrVal>
+                                              <a:schemeClr val="hlink"/>
+                                            </p:clrVal>
+                                          </p:val>
+                                        </p:tav>
+                                      </p:tavLst>
+                                    </p:anim>
+                                    <p:anim calcmode="discrete" valueType="clr">
+                                      <p:cBhvr>
+                                        <p:cTn id="91" dur="80"/>
+                                        <p:tgtEl>
+                                          <p:spTgt spid="2">
+                                            <p:txEl>
+                                              <p:pRg st="8" end="8"/>
+                                            </p:txEl>
+                                          </p:spTgt>
+                                        </p:tgtEl>
+                                        <p:attrNameLst>
+                                          <p:attrName>fillcolor</p:attrName>
+                                        </p:attrNameLst>
+                                      </p:cBhvr>
+                                      <p:tavLst>
+                                        <p:tav tm="0">
+                                          <p:val>
+                                            <p:clrVal>
+                                              <a:schemeClr val="accent2"/>
+                                            </p:clrVal>
+                                          </p:val>
+                                        </p:tav>
+                                        <p:tav tm="50000">
+                                          <p:val>
+                                            <p:clrVal>
+                                              <a:schemeClr val="hlink"/>
+                                            </p:clrVal>
+                                          </p:val>
+                                        </p:tav>
+                                      </p:tavLst>
+                                    </p:anim>
+                                    <p:set>
+                                      <p:cBhvr>
+                                        <p:cTn id="92" dur="80"/>
+                                        <p:tgtEl>
+                                          <p:spTgt spid="2">
+                                            <p:txEl>
+                                              <p:pRg st="8" end="8"/>
+                                            </p:txEl>
+                                          </p:spTgt>
+                                        </p:tgtEl>
+                                        <p:attrNameLst>
+                                          <p:attrName>fill.type</p:attrName>
+                                        </p:attrNameLst>
+                                      </p:cBhvr>
+                                      <p:to>
+                                        <p:strVal val="solid"/>
+                                      </p:to>
+                                    </p:set>
+                                  </p:childTnLst>
+                                </p:cTn>
+                              </p:par>
+                            </p:childTnLst>
+                          </p:cTn>
+                        </p:par>
+                        <p:par>
+                          <p:cTn id="93" fill="hold">
+                            <p:stCondLst>
+                              <p:cond delay="2360"/>
+                            </p:stCondLst>
+                            <p:childTnLst>
+                              <p:par>
+                                <p:cTn id="94" presetID="27" presetClass="entr" presetSubtype="0" fill="hold" nodeType="afterEffect">
+                                  <p:stCondLst>
+                                    <p:cond delay="0"/>
+                                  </p:stCondLst>
+                                  <p:iterate type="lt">
+                                    <p:tmPct val="50000"/>
+                                  </p:iterate>
+                                  <p:childTnLst>
+                                    <p:set>
+                                      <p:cBhvr>
+                                        <p:cTn id="95" dur="1" fill="hold">
+                                          <p:stCondLst>
+                                            <p:cond delay="0"/>
+                                          </p:stCondLst>
+                                        </p:cTn>
+                                        <p:tgtEl>
+                                          <p:spTgt spid="2">
+                                            <p:txEl>
+                                              <p:pRg st="9" end="9"/>
+                                            </p:txEl>
+                                          </p:spTgt>
+                                        </p:tgtEl>
+                                        <p:attrNameLst>
+                                          <p:attrName>style.visibility</p:attrName>
+                                        </p:attrNameLst>
+                                      </p:cBhvr>
+                                      <p:to>
+                                        <p:strVal val="visible"/>
+                                      </p:to>
+                                    </p:set>
+                                    <p:anim calcmode="discrete" valueType="clr">
+                                      <p:cBhvr override="childStyle">
+                                        <p:cTn id="96" dur="80"/>
+                                        <p:tgtEl>
+                                          <p:spTgt spid="2">
+                                            <p:txEl>
+                                              <p:pRg st="9" end="9"/>
+                                            </p:txEl>
+                                          </p:spTgt>
+                                        </p:tgtEl>
+                                        <p:attrNameLst>
+                                          <p:attrName>style.color</p:attrName>
+                                        </p:attrNameLst>
+                                      </p:cBhvr>
+                                      <p:tavLst>
+                                        <p:tav tm="0">
+                                          <p:val>
+                                            <p:clrVal>
+                                              <a:schemeClr val="accent2"/>
+                                            </p:clrVal>
+                                          </p:val>
+                                        </p:tav>
+                                        <p:tav tm="50000">
+                                          <p:val>
+                                            <p:clrVal>
+                                              <a:schemeClr val="hlink"/>
+                                            </p:clrVal>
+                                          </p:val>
+                                        </p:tav>
+                                      </p:tavLst>
+                                    </p:anim>
+                                    <p:anim calcmode="discrete" valueType="clr">
+                                      <p:cBhvr>
+                                        <p:cTn id="97" dur="80"/>
+                                        <p:tgtEl>
+                                          <p:spTgt spid="2">
+                                            <p:txEl>
+                                              <p:pRg st="9" end="9"/>
+                                            </p:txEl>
+                                          </p:spTgt>
+                                        </p:tgtEl>
+                                        <p:attrNameLst>
+                                          <p:attrName>fillcolor</p:attrName>
+                                        </p:attrNameLst>
+                                      </p:cBhvr>
+                                      <p:tavLst>
+                                        <p:tav tm="0">
+                                          <p:val>
+                                            <p:clrVal>
+                                              <a:schemeClr val="accent2"/>
+                                            </p:clrVal>
+                                          </p:val>
+                                        </p:tav>
+                                        <p:tav tm="50000">
+                                          <p:val>
+                                            <p:clrVal>
+                                              <a:schemeClr val="hlink"/>
+                                            </p:clrVal>
+                                          </p:val>
+                                        </p:tav>
+                                      </p:tavLst>
+                                    </p:anim>
+                                    <p:set>
+                                      <p:cBhvr>
+                                        <p:cTn id="98" dur="80"/>
+                                        <p:tgtEl>
+                                          <p:spTgt spid="2">
+                                            <p:txEl>
+                                              <p:pRg st="9" end="9"/>
+                                            </p:txEl>
+                                          </p:spTgt>
+                                        </p:tgtEl>
+                                        <p:attrNameLst>
+                                          <p:attrName>fill.type</p:attrName>
+                                        </p:attrNameLst>
+                                      </p:cBhvr>
+                                      <p:to>
+                                        <p:strVal val="solid"/>
+                                      </p:to>
+                                    </p:set>
+                                  </p:childTnLst>
+                                </p:cTn>
+                              </p:par>
+                            </p:childTnLst>
+                          </p:cTn>
+                        </p:par>
+                      </p:childTnLst>
+                    </p:cTn>
+                  </p:par>
+                  <p:par>
+                    <p:cTn id="99" fill="hold">
+                      <p:stCondLst>
+                        <p:cond delay="indefinite"/>
+                      </p:stCondLst>
+                      <p:childTnLst>
+                        <p:par>
+                          <p:cTn id="100" fill="hold">
+                            <p:stCondLst>
+                              <p:cond delay="0"/>
+                            </p:stCondLst>
+                            <p:childTnLst>
+                              <p:par>
+                                <p:cTn id="101" presetID="27" presetClass="entr" presetSubtype="0" fill="hold" nodeType="clickEffect">
+                                  <p:stCondLst>
+                                    <p:cond delay="0"/>
+                                  </p:stCondLst>
+                                  <p:iterate type="lt">
+                                    <p:tmPct val="50000"/>
+                                  </p:iterate>
+                                  <p:childTnLst>
+                                    <p:set>
+                                      <p:cBhvr>
+                                        <p:cTn id="102" dur="1" fill="hold">
+                                          <p:stCondLst>
+                                            <p:cond delay="0"/>
+                                          </p:stCondLst>
+                                        </p:cTn>
+                                        <p:tgtEl>
+                                          <p:spTgt spid="2">
+                                            <p:txEl>
+                                              <p:pRg st="10" end="10"/>
+                                            </p:txEl>
+                                          </p:spTgt>
+                                        </p:tgtEl>
+                                        <p:attrNameLst>
+                                          <p:attrName>style.visibility</p:attrName>
+                                        </p:attrNameLst>
+                                      </p:cBhvr>
+                                      <p:to>
+                                        <p:strVal val="visible"/>
+                                      </p:to>
+                                    </p:set>
+                                    <p:anim calcmode="discrete" valueType="clr">
+                                      <p:cBhvr override="childStyle">
+                                        <p:cTn id="103" dur="80"/>
+                                        <p:tgtEl>
+                                          <p:spTgt spid="2">
+                                            <p:txEl>
+                                              <p:pRg st="10" end="10"/>
+                                            </p:txEl>
+                                          </p:spTgt>
+                                        </p:tgtEl>
+                                        <p:attrNameLst>
+                                          <p:attrName>style.color</p:attrName>
+                                        </p:attrNameLst>
+                                      </p:cBhvr>
+                                      <p:tavLst>
+                                        <p:tav tm="0">
+                                          <p:val>
+                                            <p:clrVal>
+                                              <a:schemeClr val="accent2"/>
+                                            </p:clrVal>
+                                          </p:val>
+                                        </p:tav>
+                                        <p:tav tm="50000">
+                                          <p:val>
+                                            <p:clrVal>
+                                              <a:schemeClr val="hlink"/>
+                                            </p:clrVal>
+                                          </p:val>
+                                        </p:tav>
+                                      </p:tavLst>
+                                    </p:anim>
+                                    <p:anim calcmode="discrete" valueType="clr">
+                                      <p:cBhvr>
+                                        <p:cTn id="104" dur="80"/>
+                                        <p:tgtEl>
+                                          <p:spTgt spid="2">
+                                            <p:txEl>
+                                              <p:pRg st="10" end="10"/>
+                                            </p:txEl>
+                                          </p:spTgt>
+                                        </p:tgtEl>
+                                        <p:attrNameLst>
+                                          <p:attrName>fillcolor</p:attrName>
+                                        </p:attrNameLst>
+                                      </p:cBhvr>
+                                      <p:tavLst>
+                                        <p:tav tm="0">
+                                          <p:val>
+                                            <p:clrVal>
+                                              <a:schemeClr val="accent2"/>
+                                            </p:clrVal>
+                                          </p:val>
+                                        </p:tav>
+                                        <p:tav tm="50000">
+                                          <p:val>
+                                            <p:clrVal>
+                                              <a:schemeClr val="hlink"/>
+                                            </p:clrVal>
+                                          </p:val>
+                                        </p:tav>
+                                      </p:tavLst>
+                                    </p:anim>
+                                    <p:set>
+                                      <p:cBhvr>
+                                        <p:cTn id="105" dur="80"/>
+                                        <p:tgtEl>
+                                          <p:spTgt spid="2">
+                                            <p:txEl>
+                                              <p:pRg st="10" end="10"/>
+                                            </p:txEl>
+                                          </p:spTgt>
+                                        </p:tgtEl>
+                                        <p:attrNameLst>
+                                          <p:attrName>fill.type</p:attrName>
+                                        </p:attrNameLst>
+                                      </p:cBhvr>
+                                      <p:to>
+                                        <p:strVal val="solid"/>
+                                      </p:to>
+                                    </p:set>
+                                  </p:childTnLst>
+                                </p:cTn>
+                              </p:par>
+                            </p:childTnLst>
+                          </p:cTn>
+                        </p:par>
+                        <p:par>
+                          <p:cTn id="106" fill="hold">
+                            <p:stCondLst>
+                              <p:cond delay="240"/>
+                            </p:stCondLst>
+                            <p:childTnLst>
+                              <p:par>
+                                <p:cTn id="107" presetID="27" presetClass="entr" presetSubtype="0" fill="hold" nodeType="afterEffect">
+                                  <p:stCondLst>
+                                    <p:cond delay="0"/>
+                                  </p:stCondLst>
+                                  <p:iterate type="lt">
+                                    <p:tmPct val="50000"/>
+                                  </p:iterate>
+                                  <p:childTnLst>
+                                    <p:set>
+                                      <p:cBhvr>
+                                        <p:cTn id="108" dur="1" fill="hold">
+                                          <p:stCondLst>
+                                            <p:cond delay="0"/>
+                                          </p:stCondLst>
+                                        </p:cTn>
+                                        <p:tgtEl>
+                                          <p:spTgt spid="2">
+                                            <p:txEl>
+                                              <p:pRg st="11" end="11"/>
+                                            </p:txEl>
+                                          </p:spTgt>
+                                        </p:tgtEl>
+                                        <p:attrNameLst>
+                                          <p:attrName>style.visibility</p:attrName>
+                                        </p:attrNameLst>
+                                      </p:cBhvr>
+                                      <p:to>
+                                        <p:strVal val="visible"/>
+                                      </p:to>
+                                    </p:set>
+                                    <p:anim calcmode="discrete" valueType="clr">
+                                      <p:cBhvr override="childStyle">
+                                        <p:cTn id="109" dur="80"/>
+                                        <p:tgtEl>
+                                          <p:spTgt spid="2">
+                                            <p:txEl>
+                                              <p:pRg st="11" end="11"/>
+                                            </p:txEl>
+                                          </p:spTgt>
+                                        </p:tgtEl>
+                                        <p:attrNameLst>
+                                          <p:attrName>style.color</p:attrName>
+                                        </p:attrNameLst>
+                                      </p:cBhvr>
+                                      <p:tavLst>
+                                        <p:tav tm="0">
+                                          <p:val>
+                                            <p:clrVal>
+                                              <a:schemeClr val="accent2"/>
+                                            </p:clrVal>
+                                          </p:val>
+                                        </p:tav>
+                                        <p:tav tm="50000">
+                                          <p:val>
+                                            <p:clrVal>
+                                              <a:schemeClr val="hlink"/>
+                                            </p:clrVal>
+                                          </p:val>
+                                        </p:tav>
+                                      </p:tavLst>
+                                    </p:anim>
+                                    <p:anim calcmode="discrete" valueType="clr">
+                                      <p:cBhvr>
+                                        <p:cTn id="110" dur="80"/>
+                                        <p:tgtEl>
+                                          <p:spTgt spid="2">
+                                            <p:txEl>
+                                              <p:pRg st="11" end="11"/>
+                                            </p:txEl>
+                                          </p:spTgt>
+                                        </p:tgtEl>
+                                        <p:attrNameLst>
+                                          <p:attrName>fillcolor</p:attrName>
+                                        </p:attrNameLst>
+                                      </p:cBhvr>
+                                      <p:tavLst>
+                                        <p:tav tm="0">
+                                          <p:val>
+                                            <p:clrVal>
+                                              <a:schemeClr val="accent2"/>
+                                            </p:clrVal>
+                                          </p:val>
+                                        </p:tav>
+                                        <p:tav tm="50000">
+                                          <p:val>
+                                            <p:clrVal>
+                                              <a:schemeClr val="hlink"/>
+                                            </p:clrVal>
+                                          </p:val>
+                                        </p:tav>
+                                      </p:tavLst>
+                                    </p:anim>
+                                    <p:set>
+                                      <p:cBhvr>
+                                        <p:cTn id="111" dur="80"/>
+                                        <p:tgtEl>
+                                          <p:spTgt spid="2">
+                                            <p:txEl>
+                                              <p:pRg st="11" end="11"/>
+                                            </p:txEl>
+                                          </p:spTgt>
+                                        </p:tgtEl>
+                                        <p:attrNameLst>
+                                          <p:attrName>fill.type</p:attrName>
+                                        </p:attrNameLst>
+                                      </p:cBhvr>
+                                      <p:to>
+                                        <p:strVal val="solid"/>
+                                      </p:to>
+                                    </p:set>
+                                  </p:childTnLst>
+                                </p:cTn>
+                              </p:par>
+                            </p:childTnLst>
+                          </p:cTn>
+                        </p:par>
+                        <p:par>
+                          <p:cTn id="112" fill="hold">
+                            <p:stCondLst>
+                              <p:cond delay="1440"/>
+                            </p:stCondLst>
+                            <p:childTnLst>
+                              <p:par>
+                                <p:cTn id="113" presetID="27" presetClass="entr" presetSubtype="0" fill="hold" nodeType="afterEffect">
+                                  <p:stCondLst>
+                                    <p:cond delay="0"/>
+                                  </p:stCondLst>
+                                  <p:iterate type="lt">
+                                    <p:tmPct val="50000"/>
+                                  </p:iterate>
+                                  <p:childTnLst>
+                                    <p:set>
+                                      <p:cBhvr>
+                                        <p:cTn id="114" dur="1" fill="hold">
+                                          <p:stCondLst>
+                                            <p:cond delay="0"/>
+                                          </p:stCondLst>
+                                        </p:cTn>
+                                        <p:tgtEl>
+                                          <p:spTgt spid="2">
+                                            <p:txEl>
+                                              <p:pRg st="12" end="12"/>
+                                            </p:txEl>
+                                          </p:spTgt>
+                                        </p:tgtEl>
+                                        <p:attrNameLst>
+                                          <p:attrName>style.visibility</p:attrName>
+                                        </p:attrNameLst>
+                                      </p:cBhvr>
+                                      <p:to>
+                                        <p:strVal val="visible"/>
+                                      </p:to>
+                                    </p:set>
+                                    <p:anim calcmode="discrete" valueType="clr">
+                                      <p:cBhvr override="childStyle">
+                                        <p:cTn id="115" dur="80"/>
+                                        <p:tgtEl>
+                                          <p:spTgt spid="2">
+                                            <p:txEl>
+                                              <p:pRg st="12" end="12"/>
+                                            </p:txEl>
+                                          </p:spTgt>
+                                        </p:tgtEl>
+                                        <p:attrNameLst>
+                                          <p:attrName>style.color</p:attrName>
+                                        </p:attrNameLst>
+                                      </p:cBhvr>
+                                      <p:tavLst>
+                                        <p:tav tm="0">
+                                          <p:val>
+                                            <p:clrVal>
+                                              <a:schemeClr val="accent2"/>
+                                            </p:clrVal>
+                                          </p:val>
+                                        </p:tav>
+                                        <p:tav tm="50000">
+                                          <p:val>
+                                            <p:clrVal>
+                                              <a:schemeClr val="hlink"/>
+                                            </p:clrVal>
+                                          </p:val>
+                                        </p:tav>
+                                      </p:tavLst>
+                                    </p:anim>
+                                    <p:anim calcmode="discrete" valueType="clr">
+                                      <p:cBhvr>
+                                        <p:cTn id="116" dur="80"/>
+                                        <p:tgtEl>
+                                          <p:spTgt spid="2">
+                                            <p:txEl>
+                                              <p:pRg st="12" end="12"/>
+                                            </p:txEl>
+                                          </p:spTgt>
+                                        </p:tgtEl>
+                                        <p:attrNameLst>
+                                          <p:attrName>fillcolor</p:attrName>
+                                        </p:attrNameLst>
+                                      </p:cBhvr>
+                                      <p:tavLst>
+                                        <p:tav tm="0">
+                                          <p:val>
+                                            <p:clrVal>
+                                              <a:schemeClr val="accent2"/>
+                                            </p:clrVal>
+                                          </p:val>
+                                        </p:tav>
+                                        <p:tav tm="50000">
+                                          <p:val>
+                                            <p:clrVal>
+                                              <a:schemeClr val="hlink"/>
+                                            </p:clrVal>
+                                          </p:val>
+                                        </p:tav>
+                                      </p:tavLst>
+                                    </p:anim>
+                                    <p:set>
+                                      <p:cBhvr>
+                                        <p:cTn id="117" dur="80"/>
+                                        <p:tgtEl>
+                                          <p:spTgt spid="2">
+                                            <p:txEl>
+                                              <p:pRg st="12" end="12"/>
+                                            </p:txEl>
+                                          </p:spTgt>
+                                        </p:tgtEl>
+                                        <p:attrNameLst>
+                                          <p:attrName>fill.type</p:attrName>
+                                        </p:attrNameLst>
+                                      </p:cBhvr>
+                                      <p:to>
+                                        <p:strVal val="solid"/>
+                                      </p:to>
+                                    </p:set>
+                                  </p:childTnLst>
+                                </p:cTn>
+                              </p:par>
+                            </p:childTnLst>
+                          </p:cTn>
+                        </p:par>
+                        <p:par>
+                          <p:cTn id="118" fill="hold">
+                            <p:stCondLst>
+                              <p:cond delay="2360"/>
+                            </p:stCondLst>
+                            <p:childTnLst>
+                              <p:par>
+                                <p:cTn id="119" presetID="27" presetClass="entr" presetSubtype="0" fill="hold" nodeType="afterEffect">
+                                  <p:stCondLst>
+                                    <p:cond delay="0"/>
+                                  </p:stCondLst>
+                                  <p:iterate type="lt">
+                                    <p:tmPct val="50000"/>
+                                  </p:iterate>
+                                  <p:childTnLst>
+                                    <p:set>
+                                      <p:cBhvr>
+                                        <p:cTn id="120" dur="1" fill="hold">
+                                          <p:stCondLst>
+                                            <p:cond delay="0"/>
+                                          </p:stCondLst>
+                                        </p:cTn>
+                                        <p:tgtEl>
+                                          <p:spTgt spid="2">
+                                            <p:txEl>
+                                              <p:pRg st="13" end="13"/>
+                                            </p:txEl>
+                                          </p:spTgt>
+                                        </p:tgtEl>
+                                        <p:attrNameLst>
+                                          <p:attrName>style.visibility</p:attrName>
+                                        </p:attrNameLst>
+                                      </p:cBhvr>
+                                      <p:to>
+                                        <p:strVal val="visible"/>
+                                      </p:to>
+                                    </p:set>
+                                    <p:anim calcmode="discrete" valueType="clr">
+                                      <p:cBhvr override="childStyle">
+                                        <p:cTn id="121" dur="80"/>
+                                        <p:tgtEl>
+                                          <p:spTgt spid="2">
+                                            <p:txEl>
+                                              <p:pRg st="13" end="13"/>
+                                            </p:txEl>
+                                          </p:spTgt>
+                                        </p:tgtEl>
+                                        <p:attrNameLst>
+                                          <p:attrName>style.color</p:attrName>
+                                        </p:attrNameLst>
+                                      </p:cBhvr>
+                                      <p:tavLst>
+                                        <p:tav tm="0">
+                                          <p:val>
+                                            <p:clrVal>
+                                              <a:schemeClr val="accent2"/>
+                                            </p:clrVal>
+                                          </p:val>
+                                        </p:tav>
+                                        <p:tav tm="50000">
+                                          <p:val>
+                                            <p:clrVal>
+                                              <a:schemeClr val="hlink"/>
+                                            </p:clrVal>
+                                          </p:val>
+                                        </p:tav>
+                                      </p:tavLst>
+                                    </p:anim>
+                                    <p:anim calcmode="discrete" valueType="clr">
+                                      <p:cBhvr>
+                                        <p:cTn id="122" dur="80"/>
+                                        <p:tgtEl>
+                                          <p:spTgt spid="2">
+                                            <p:txEl>
+                                              <p:pRg st="13" end="13"/>
+                                            </p:txEl>
+                                          </p:spTgt>
+                                        </p:tgtEl>
+                                        <p:attrNameLst>
+                                          <p:attrName>fillcolor</p:attrName>
+                                        </p:attrNameLst>
+                                      </p:cBhvr>
+                                      <p:tavLst>
+                                        <p:tav tm="0">
+                                          <p:val>
+                                            <p:clrVal>
+                                              <a:schemeClr val="accent2"/>
+                                            </p:clrVal>
+                                          </p:val>
+                                        </p:tav>
+                                        <p:tav tm="50000">
+                                          <p:val>
+                                            <p:clrVal>
+                                              <a:schemeClr val="hlink"/>
+                                            </p:clrVal>
+                                          </p:val>
+                                        </p:tav>
+                                      </p:tavLst>
+                                    </p:anim>
+                                    <p:set>
+                                      <p:cBhvr>
+                                        <p:cTn id="123" dur="80"/>
+                                        <p:tgtEl>
+                                          <p:spTgt spid="2">
+                                            <p:txEl>
+                                              <p:pRg st="13" end="13"/>
+                                            </p:txEl>
+                                          </p:spTgt>
+                                        </p:tgtEl>
+                                        <p:attrNameLst>
+                                          <p:attrName>fill.type</p:attrName>
+                                        </p:attrNameLst>
+                                      </p:cBhvr>
+                                      <p:to>
+                                        <p:strVal val="solid"/>
+                                      </p:to>
+                                    </p:set>
+                                  </p:childTnLst>
+                                </p:cTn>
+                              </p:par>
+                            </p:childTnLst>
+                          </p:cTn>
+                        </p:par>
+                      </p:childTnLst>
+                    </p:cTn>
+                  </p:par>
+                  <p:par>
+                    <p:cTn id="124" fill="hold">
+                      <p:stCondLst>
+                        <p:cond delay="indefinite"/>
+                      </p:stCondLst>
+                      <p:childTnLst>
+                        <p:par>
+                          <p:cTn id="125" fill="hold">
+                            <p:stCondLst>
+                              <p:cond delay="0"/>
+                            </p:stCondLst>
+                            <p:childTnLst>
+                              <p:par>
+                                <p:cTn id="126" presetID="27" presetClass="entr" presetSubtype="0" fill="hold" nodeType="clickEffect">
+                                  <p:stCondLst>
+                                    <p:cond delay="0"/>
+                                  </p:stCondLst>
+                                  <p:iterate type="lt">
+                                    <p:tmPct val="50000"/>
+                                  </p:iterate>
+                                  <p:childTnLst>
+                                    <p:set>
+                                      <p:cBhvr>
+                                        <p:cTn id="127" dur="1" fill="hold">
+                                          <p:stCondLst>
+                                            <p:cond delay="0"/>
+                                          </p:stCondLst>
+                                        </p:cTn>
+                                        <p:tgtEl>
+                                          <p:spTgt spid="2">
+                                            <p:txEl>
+                                              <p:pRg st="14" end="14"/>
+                                            </p:txEl>
+                                          </p:spTgt>
+                                        </p:tgtEl>
+                                        <p:attrNameLst>
+                                          <p:attrName>style.visibility</p:attrName>
+                                        </p:attrNameLst>
+                                      </p:cBhvr>
+                                      <p:to>
+                                        <p:strVal val="visible"/>
+                                      </p:to>
+                                    </p:set>
+                                    <p:anim calcmode="discrete" valueType="clr">
+                                      <p:cBhvr override="childStyle">
+                                        <p:cTn id="128" dur="80"/>
+                                        <p:tgtEl>
+                                          <p:spTgt spid="2">
+                                            <p:txEl>
+                                              <p:pRg st="14" end="14"/>
+                                            </p:txEl>
+                                          </p:spTgt>
+                                        </p:tgtEl>
+                                        <p:attrNameLst>
+                                          <p:attrName>style.color</p:attrName>
+                                        </p:attrNameLst>
+                                      </p:cBhvr>
+                                      <p:tavLst>
+                                        <p:tav tm="0">
+                                          <p:val>
+                                            <p:clrVal>
+                                              <a:schemeClr val="accent2"/>
+                                            </p:clrVal>
+                                          </p:val>
+                                        </p:tav>
+                                        <p:tav tm="50000">
+                                          <p:val>
+                                            <p:clrVal>
+                                              <a:schemeClr val="hlink"/>
+                                            </p:clrVal>
+                                          </p:val>
+                                        </p:tav>
+                                      </p:tavLst>
+                                    </p:anim>
+                                    <p:anim calcmode="discrete" valueType="clr">
+                                      <p:cBhvr>
+                                        <p:cTn id="129" dur="80"/>
+                                        <p:tgtEl>
+                                          <p:spTgt spid="2">
+                                            <p:txEl>
+                                              <p:pRg st="14" end="14"/>
+                                            </p:txEl>
+                                          </p:spTgt>
+                                        </p:tgtEl>
+                                        <p:attrNameLst>
+                                          <p:attrName>fillcolor</p:attrName>
+                                        </p:attrNameLst>
+                                      </p:cBhvr>
+                                      <p:tavLst>
+                                        <p:tav tm="0">
+                                          <p:val>
+                                            <p:clrVal>
+                                              <a:schemeClr val="accent2"/>
+                                            </p:clrVal>
+                                          </p:val>
+                                        </p:tav>
+                                        <p:tav tm="50000">
+                                          <p:val>
+                                            <p:clrVal>
+                                              <a:schemeClr val="hlink"/>
+                                            </p:clrVal>
+                                          </p:val>
+                                        </p:tav>
+                                      </p:tavLst>
+                                    </p:anim>
+                                    <p:set>
+                                      <p:cBhvr>
+                                        <p:cTn id="130" dur="80"/>
+                                        <p:tgtEl>
+                                          <p:spTgt spid="2">
+                                            <p:txEl>
+                                              <p:pRg st="14" end="14"/>
+                                            </p:txEl>
+                                          </p:spTgt>
+                                        </p:tgtEl>
+                                        <p:attrNameLst>
+                                          <p:attrName>fill.type</p:attrName>
+                                        </p:attrNameLst>
+                                      </p:cBhvr>
+                                      <p:to>
+                                        <p:strVal val="solid"/>
+                                      </p:to>
+                                    </p:set>
+                                  </p:childTnLst>
+                                </p:cTn>
+                              </p:par>
+                            </p:childTnLst>
+                          </p:cTn>
+                        </p:par>
+                        <p:par>
+                          <p:cTn id="131" fill="hold">
+                            <p:stCondLst>
+                              <p:cond delay="520"/>
+                            </p:stCondLst>
+                            <p:childTnLst>
+                              <p:par>
+                                <p:cTn id="132" presetID="27" presetClass="entr" presetSubtype="0" fill="hold" nodeType="afterEffect">
+                                  <p:stCondLst>
+                                    <p:cond delay="0"/>
+                                  </p:stCondLst>
+                                  <p:iterate type="lt">
+                                    <p:tmPct val="50000"/>
+                                  </p:iterate>
+                                  <p:childTnLst>
+                                    <p:set>
+                                      <p:cBhvr>
+                                        <p:cTn id="133" dur="1" fill="hold">
+                                          <p:stCondLst>
+                                            <p:cond delay="0"/>
+                                          </p:stCondLst>
+                                        </p:cTn>
+                                        <p:tgtEl>
+                                          <p:spTgt spid="2">
+                                            <p:txEl>
+                                              <p:pRg st="15" end="15"/>
+                                            </p:txEl>
+                                          </p:spTgt>
+                                        </p:tgtEl>
+                                        <p:attrNameLst>
+                                          <p:attrName>style.visibility</p:attrName>
+                                        </p:attrNameLst>
+                                      </p:cBhvr>
+                                      <p:to>
+                                        <p:strVal val="visible"/>
+                                      </p:to>
+                                    </p:set>
+                                    <p:anim calcmode="discrete" valueType="clr">
+                                      <p:cBhvr override="childStyle">
+                                        <p:cTn id="134" dur="80"/>
+                                        <p:tgtEl>
+                                          <p:spTgt spid="2">
+                                            <p:txEl>
+                                              <p:pRg st="15" end="15"/>
+                                            </p:txEl>
+                                          </p:spTgt>
+                                        </p:tgtEl>
+                                        <p:attrNameLst>
+                                          <p:attrName>style.color</p:attrName>
+                                        </p:attrNameLst>
+                                      </p:cBhvr>
+                                      <p:tavLst>
+                                        <p:tav tm="0">
+                                          <p:val>
+                                            <p:clrVal>
+                                              <a:schemeClr val="accent2"/>
+                                            </p:clrVal>
+                                          </p:val>
+                                        </p:tav>
+                                        <p:tav tm="50000">
+                                          <p:val>
+                                            <p:clrVal>
+                                              <a:schemeClr val="hlink"/>
+                                            </p:clrVal>
+                                          </p:val>
+                                        </p:tav>
+                                      </p:tavLst>
+                                    </p:anim>
+                                    <p:anim calcmode="discrete" valueType="clr">
+                                      <p:cBhvr>
+                                        <p:cTn id="135" dur="80"/>
+                                        <p:tgtEl>
+                                          <p:spTgt spid="2">
+                                            <p:txEl>
+                                              <p:pRg st="15" end="15"/>
+                                            </p:txEl>
+                                          </p:spTgt>
+                                        </p:tgtEl>
+                                        <p:attrNameLst>
+                                          <p:attrName>fillcolor</p:attrName>
+                                        </p:attrNameLst>
+                                      </p:cBhvr>
+                                      <p:tavLst>
+                                        <p:tav tm="0">
+                                          <p:val>
+                                            <p:clrVal>
+                                              <a:schemeClr val="accent2"/>
+                                            </p:clrVal>
+                                          </p:val>
+                                        </p:tav>
+                                        <p:tav tm="50000">
+                                          <p:val>
+                                            <p:clrVal>
+                                              <a:schemeClr val="hlink"/>
+                                            </p:clrVal>
+                                          </p:val>
+                                        </p:tav>
+                                      </p:tavLst>
+                                    </p:anim>
+                                    <p:set>
+                                      <p:cBhvr>
+                                        <p:cTn id="136" dur="80"/>
+                                        <p:tgtEl>
+                                          <p:spTgt spid="2">
+                                            <p:txEl>
+                                              <p:pRg st="15" end="15"/>
+                                            </p:txEl>
+                                          </p:spTgt>
+                                        </p:tgtEl>
+                                        <p:attrNameLst>
+                                          <p:attrName>fill.type</p:attrName>
+                                        </p:attrNameLst>
+                                      </p:cBhvr>
+                                      <p:to>
+                                        <p:strVal val="solid"/>
+                                      </p:to>
+                                    </p:set>
+                                  </p:childTnLst>
+                                </p:cTn>
+                              </p:par>
+                            </p:childTnLst>
+                          </p:cTn>
+                        </p:par>
+                        <p:par>
+                          <p:cTn id="137" fill="hold">
+                            <p:stCondLst>
+                              <p:cond delay="2040"/>
+                            </p:stCondLst>
+                            <p:childTnLst>
+                              <p:par>
+                                <p:cTn id="138" presetID="27" presetClass="entr" presetSubtype="0" fill="hold" nodeType="afterEffect">
+                                  <p:stCondLst>
+                                    <p:cond delay="0"/>
+                                  </p:stCondLst>
+                                  <p:iterate type="lt">
+                                    <p:tmPct val="50000"/>
+                                  </p:iterate>
+                                  <p:childTnLst>
+                                    <p:set>
+                                      <p:cBhvr>
+                                        <p:cTn id="139" dur="1" fill="hold">
+                                          <p:stCondLst>
+                                            <p:cond delay="0"/>
+                                          </p:stCondLst>
+                                        </p:cTn>
+                                        <p:tgtEl>
+                                          <p:spTgt spid="2">
+                                            <p:txEl>
+                                              <p:pRg st="16" end="16"/>
+                                            </p:txEl>
+                                          </p:spTgt>
+                                        </p:tgtEl>
+                                        <p:attrNameLst>
+                                          <p:attrName>style.visibility</p:attrName>
+                                        </p:attrNameLst>
+                                      </p:cBhvr>
+                                      <p:to>
+                                        <p:strVal val="visible"/>
+                                      </p:to>
+                                    </p:set>
+                                    <p:anim calcmode="discrete" valueType="clr">
+                                      <p:cBhvr override="childStyle">
+                                        <p:cTn id="140" dur="80"/>
+                                        <p:tgtEl>
+                                          <p:spTgt spid="2">
+                                            <p:txEl>
+                                              <p:pRg st="16" end="16"/>
+                                            </p:txEl>
+                                          </p:spTgt>
+                                        </p:tgtEl>
+                                        <p:attrNameLst>
+                                          <p:attrName>style.color</p:attrName>
+                                        </p:attrNameLst>
+                                      </p:cBhvr>
+                                      <p:tavLst>
+                                        <p:tav tm="0">
+                                          <p:val>
+                                            <p:clrVal>
+                                              <a:schemeClr val="accent2"/>
+                                            </p:clrVal>
+                                          </p:val>
+                                        </p:tav>
+                                        <p:tav tm="50000">
+                                          <p:val>
+                                            <p:clrVal>
+                                              <a:schemeClr val="hlink"/>
+                                            </p:clrVal>
+                                          </p:val>
+                                        </p:tav>
+                                      </p:tavLst>
+                                    </p:anim>
+                                    <p:anim calcmode="discrete" valueType="clr">
+                                      <p:cBhvr>
+                                        <p:cTn id="141" dur="80"/>
+                                        <p:tgtEl>
+                                          <p:spTgt spid="2">
+                                            <p:txEl>
+                                              <p:pRg st="16" end="16"/>
+                                            </p:txEl>
+                                          </p:spTgt>
+                                        </p:tgtEl>
+                                        <p:attrNameLst>
+                                          <p:attrName>fillcolor</p:attrName>
+                                        </p:attrNameLst>
+                                      </p:cBhvr>
+                                      <p:tavLst>
+                                        <p:tav tm="0">
+                                          <p:val>
+                                            <p:clrVal>
+                                              <a:schemeClr val="accent2"/>
+                                            </p:clrVal>
+                                          </p:val>
+                                        </p:tav>
+                                        <p:tav tm="50000">
+                                          <p:val>
+                                            <p:clrVal>
+                                              <a:schemeClr val="hlink"/>
+                                            </p:clrVal>
+                                          </p:val>
+                                        </p:tav>
+                                      </p:tavLst>
+                                    </p:anim>
+                                    <p:set>
+                                      <p:cBhvr>
+                                        <p:cTn id="142" dur="80"/>
+                                        <p:tgtEl>
+                                          <p:spTgt spid="2">
+                                            <p:txEl>
+                                              <p:pRg st="16" end="16"/>
+                                            </p:txEl>
+                                          </p:spTgt>
+                                        </p:tgtEl>
+                                        <p:attrNameLst>
+                                          <p:attrName>fill.type</p:attrName>
+                                        </p:attrNameLst>
+                                      </p:cBhvr>
+                                      <p:to>
+                                        <p:strVal val="solid"/>
+                                      </p:to>
+                                    </p:set>
+                                  </p:childTnLst>
+                                </p:cTn>
+                              </p:par>
+                            </p:childTnLst>
+                          </p:cTn>
+                        </p:par>
+                      </p:childTnLst>
+                    </p:cTn>
+                  </p:par>
+                  <p:par>
+                    <p:cTn id="143" fill="hold">
+                      <p:stCondLst>
+                        <p:cond delay="indefinite"/>
+                      </p:stCondLst>
+                      <p:childTnLst>
+                        <p:par>
+                          <p:cTn id="144" fill="hold">
+                            <p:stCondLst>
+                              <p:cond delay="0"/>
+                            </p:stCondLst>
+                            <p:childTnLst>
+                              <p:par>
+                                <p:cTn id="145" presetID="27" presetClass="entr" presetSubtype="0" fill="hold" nodeType="clickEffect">
+                                  <p:stCondLst>
+                                    <p:cond delay="0"/>
+                                  </p:stCondLst>
+                                  <p:iterate type="lt">
+                                    <p:tmPct val="50000"/>
+                                  </p:iterate>
+                                  <p:childTnLst>
+                                    <p:set>
+                                      <p:cBhvr>
+                                        <p:cTn id="146" dur="1" fill="hold">
+                                          <p:stCondLst>
+                                            <p:cond delay="0"/>
+                                          </p:stCondLst>
+                                        </p:cTn>
+                                        <p:tgtEl>
+                                          <p:spTgt spid="88">
+                                            <p:txEl>
+                                              <p:pRg st="5" end="5"/>
+                                            </p:txEl>
+                                          </p:spTgt>
+                                        </p:tgtEl>
+                                        <p:attrNameLst>
+                                          <p:attrName>style.visibility</p:attrName>
+                                        </p:attrNameLst>
+                                      </p:cBhvr>
+                                      <p:to>
+                                        <p:strVal val="visible"/>
+                                      </p:to>
+                                    </p:set>
+                                    <p:anim calcmode="discrete" valueType="clr">
+                                      <p:cBhvr override="childStyle">
+                                        <p:cTn id="147" dur="80"/>
+                                        <p:tgtEl>
+                                          <p:spTgt spid="88">
+                                            <p:txEl>
+                                              <p:pRg st="5" end="5"/>
+                                            </p:txEl>
+                                          </p:spTgt>
+                                        </p:tgtEl>
+                                        <p:attrNameLst>
+                                          <p:attrName>style.color</p:attrName>
+                                        </p:attrNameLst>
+                                      </p:cBhvr>
+                                      <p:tavLst>
+                                        <p:tav tm="0">
+                                          <p:val>
+                                            <p:clrVal>
+                                              <a:schemeClr val="accent2"/>
+                                            </p:clrVal>
+                                          </p:val>
+                                        </p:tav>
+                                        <p:tav tm="50000">
+                                          <p:val>
+                                            <p:clrVal>
+                                              <a:schemeClr val="hlink"/>
+                                            </p:clrVal>
+                                          </p:val>
+                                        </p:tav>
+                                      </p:tavLst>
+                                    </p:anim>
+                                    <p:anim calcmode="discrete" valueType="clr">
+                                      <p:cBhvr>
+                                        <p:cTn id="148" dur="80"/>
+                                        <p:tgtEl>
+                                          <p:spTgt spid="88">
+                                            <p:txEl>
+                                              <p:pRg st="5" end="5"/>
+                                            </p:txEl>
+                                          </p:spTgt>
+                                        </p:tgtEl>
+                                        <p:attrNameLst>
+                                          <p:attrName>fillcolor</p:attrName>
+                                        </p:attrNameLst>
+                                      </p:cBhvr>
+                                      <p:tavLst>
+                                        <p:tav tm="0">
+                                          <p:val>
+                                            <p:clrVal>
+                                              <a:schemeClr val="accent2"/>
+                                            </p:clrVal>
+                                          </p:val>
+                                        </p:tav>
+                                        <p:tav tm="50000">
+                                          <p:val>
+                                            <p:clrVal>
+                                              <a:schemeClr val="hlink"/>
+                                            </p:clrVal>
+                                          </p:val>
+                                        </p:tav>
+                                      </p:tavLst>
+                                    </p:anim>
+                                    <p:set>
+                                      <p:cBhvr>
+                                        <p:cTn id="149" dur="80"/>
+                                        <p:tgtEl>
+                                          <p:spTgt spid="88">
+                                            <p:txEl>
+                                              <p:pRg st="5" end="5"/>
+                                            </p:txEl>
+                                          </p:spTgt>
+                                        </p:tgtEl>
+                                        <p:attrNameLst>
+                                          <p:attrName>fill.type</p:attrName>
+                                        </p:attrNameLst>
+                                      </p:cBhvr>
+                                      <p:to>
+                                        <p:strVal val="solid"/>
+                                      </p:to>
+                                    </p:set>
+                                  </p:childTnLst>
+                                </p:cTn>
+                              </p:par>
+                            </p:childTnLst>
+                          </p:cTn>
+                        </p:par>
+                        <p:par>
+                          <p:cTn id="150" fill="hold">
+                            <p:stCondLst>
+                              <p:cond delay="1080"/>
+                            </p:stCondLst>
+                            <p:childTnLst>
+                              <p:par>
+                                <p:cTn id="151" presetID="27" presetClass="entr" presetSubtype="0" fill="hold" nodeType="afterEffect">
+                                  <p:stCondLst>
+                                    <p:cond delay="0"/>
+                                  </p:stCondLst>
+                                  <p:iterate type="lt">
+                                    <p:tmPct val="50000"/>
+                                  </p:iterate>
+                                  <p:childTnLst>
+                                    <p:set>
+                                      <p:cBhvr>
+                                        <p:cTn id="152" dur="1" fill="hold">
+                                          <p:stCondLst>
+                                            <p:cond delay="0"/>
+                                          </p:stCondLst>
+                                        </p:cTn>
+                                        <p:tgtEl>
+                                          <p:spTgt spid="2">
+                                            <p:txEl>
+                                              <p:pRg st="18" end="18"/>
+                                            </p:txEl>
+                                          </p:spTgt>
+                                        </p:tgtEl>
+                                        <p:attrNameLst>
+                                          <p:attrName>style.visibility</p:attrName>
+                                        </p:attrNameLst>
+                                      </p:cBhvr>
+                                      <p:to>
+                                        <p:strVal val="visible"/>
+                                      </p:to>
+                                    </p:set>
+                                    <p:anim calcmode="discrete" valueType="clr">
+                                      <p:cBhvr override="childStyle">
+                                        <p:cTn id="153" dur="80"/>
+                                        <p:tgtEl>
+                                          <p:spTgt spid="2">
+                                            <p:txEl>
+                                              <p:pRg st="18" end="18"/>
+                                            </p:txEl>
+                                          </p:spTgt>
+                                        </p:tgtEl>
+                                        <p:attrNameLst>
+                                          <p:attrName>style.color</p:attrName>
+                                        </p:attrNameLst>
+                                      </p:cBhvr>
+                                      <p:tavLst>
+                                        <p:tav tm="0">
+                                          <p:val>
+                                            <p:clrVal>
+                                              <a:schemeClr val="accent2"/>
+                                            </p:clrVal>
+                                          </p:val>
+                                        </p:tav>
+                                        <p:tav tm="50000">
+                                          <p:val>
+                                            <p:clrVal>
+                                              <a:schemeClr val="hlink"/>
+                                            </p:clrVal>
+                                          </p:val>
+                                        </p:tav>
+                                      </p:tavLst>
+                                    </p:anim>
+                                    <p:anim calcmode="discrete" valueType="clr">
+                                      <p:cBhvr>
+                                        <p:cTn id="154" dur="80"/>
+                                        <p:tgtEl>
+                                          <p:spTgt spid="2">
+                                            <p:txEl>
+                                              <p:pRg st="18" end="18"/>
+                                            </p:txEl>
+                                          </p:spTgt>
+                                        </p:tgtEl>
+                                        <p:attrNameLst>
+                                          <p:attrName>fillcolor</p:attrName>
+                                        </p:attrNameLst>
+                                      </p:cBhvr>
+                                      <p:tavLst>
+                                        <p:tav tm="0">
+                                          <p:val>
+                                            <p:clrVal>
+                                              <a:schemeClr val="accent2"/>
+                                            </p:clrVal>
+                                          </p:val>
+                                        </p:tav>
+                                        <p:tav tm="50000">
+                                          <p:val>
+                                            <p:clrVal>
+                                              <a:schemeClr val="hlink"/>
+                                            </p:clrVal>
+                                          </p:val>
+                                        </p:tav>
+                                      </p:tavLst>
+                                    </p:anim>
+                                    <p:set>
+                                      <p:cBhvr>
+                                        <p:cTn id="155" dur="80"/>
+                                        <p:tgtEl>
+                                          <p:spTgt spid="2">
+                                            <p:txEl>
+                                              <p:pRg st="18" end="18"/>
+                                            </p:txEl>
+                                          </p:spTgt>
+                                        </p:tgtEl>
+                                        <p:attrNameLst>
+                                          <p:attrName>fill.type</p:attrName>
+                                        </p:attrNameLst>
+                                      </p:cBhvr>
+                                      <p:to>
+                                        <p:strVal val="solid"/>
+                                      </p:to>
+                                    </p:set>
+                                  </p:childTnLst>
+                                </p:cTn>
+                              </p:par>
+                            </p:childTnLst>
+                          </p:cTn>
+                        </p:par>
+                      </p:childTnLst>
+                    </p:cTn>
+                  </p:par>
+                </p:childTnLst>
+              </p:cTn>
+              <p:prevCondLst>
+                <p:cond evt="onPrev" delay="0">
+                  <p:tgtEl>
+                    <p:sldTgt/>
+                  </p:tgtEl>
+                </p:cond>
+              </p:prevCondLst>
+              <p:nextCondLst>
+                <p:cond evt="onNext" delay="0">
+                  <p:tgtEl>
+                    <p:sldTgt/>
+                  </p:tgtEl>
+                </p:cond>
+              </p:nextCondLst>
+            </p:seq>
+          </p:childTnLst>
+        </p:cTn>
       </p:par>
     </p:tnLst>
   </p:timing>

--- a/presentation/Simulated-Annealing - Ryan HS.pptx
+++ b/presentation/Simulated-Annealing - Ryan HS.pptx
@@ -5883,35 +5883,7 @@
                 </a:uFill>
                 <a:latin typeface="Calibri"/>
               </a:rPr>
-              <a:t>- </a:t>
-            </a:r>
-            <a:r>
-              <a:rPr lang="x-none" altLang="en-US" sz="4000" strike="noStrike" spc="-1">
-                <a:solidFill>
-                  <a:srgbClr val="E74C3C"/>
-                </a:solidFill>
-                <a:uFill>
-                  <a:solidFill>
-                    <a:srgbClr val="FFFFFF"/>
-                  </a:solidFill>
-                </a:uFill>
-                <a:latin typeface="Calibri"/>
-              </a:rPr>
-              <a:t>S</a:t>
-            </a:r>
-            <a:r>
-              <a:rPr lang="x-none" altLang="en-US" sz="4000" strike="noStrike" spc="-1">
-                <a:solidFill>
-                  <a:srgbClr val="E74C3C"/>
-                </a:solidFill>
-                <a:uFill>
-                  <a:solidFill>
-                    <a:srgbClr val="FFFFFF"/>
-                  </a:solidFill>
-                </a:uFill>
-                <a:latin typeface="Calibri"/>
-              </a:rPr>
-              <a:t>implified</a:t>
+              <a:t>- Simplified</a:t>
             </a:r>
             <a:endParaRPr lang="x-none" altLang="en-US" sz="4000" strike="noStrike" spc="-1">
               <a:solidFill>
@@ -6103,13 +6075,16 @@
             <a:avLst/>
           </a:prstGeom>
           <a:solidFill>
-            <a:schemeClr val="bg1">
-              <a:lumMod val="95000"/>
-            </a:schemeClr>
+            <a:srgbClr val="3F3F3F"/>
           </a:solidFill>
           <a:ln>
             <a:noFill/>
           </a:ln>
+          <a:effectLst>
+            <a:innerShdw blurRad="114300">
+              <a:prstClr val="black"/>
+            </a:innerShdw>
+          </a:effectLst>
           <a:extLst>
             <a:ext uri="{909E8E84-426E-40DD-AFC4-6F175D3DCCD1}">
               <a14:hiddenFill xmlns:a14="http://schemas.microsoft.com/office/drawing/2010/main">
@@ -6150,16 +6125,26 @@
             <a:r>
               <a:rPr lang="x-none" sz="1200">
                 <a:solidFill>
-                  <a:srgbClr val="2980B9"/>
+                  <a:schemeClr val="bg1"/>
                 </a:solidFill>
                 <a:latin typeface="Noto Sans [monotype]" charset="0"/>
                 <a:ea typeface="Sans Serif" charset="0"/>
               </a:rPr>
-              <a:t>T = 1000 // celcius</a:t>
+              <a:t>T = 1000</a:t>
+            </a:r>
+            <a:r>
+              <a:rPr lang="x-none" sz="1200">
+                <a:solidFill>
+                  <a:srgbClr val="E3CEAB"/>
+                </a:solidFill>
+                <a:latin typeface="Noto Sans [monotype]" charset="0"/>
+                <a:ea typeface="Sans Serif" charset="0"/>
+              </a:rPr>
+              <a:t> // celcius</a:t>
             </a:r>
             <a:endParaRPr lang="x-none" sz="1200">
               <a:solidFill>
-                <a:srgbClr val="2980B9"/>
+                <a:srgbClr val="E3CEAB"/>
               </a:solidFill>
               <a:latin typeface="Noto Sans [monotype]" charset="0"/>
               <a:ea typeface="Sans Serif" charset="0"/>
@@ -6179,16 +6164,36 @@
             <a:r>
               <a:rPr lang="x-none" sz="1200">
                 <a:solidFill>
-                  <a:srgbClr val="2980B9"/>
+                  <a:schemeClr val="bg1"/>
                 </a:solidFill>
                 <a:latin typeface="Noto Sans [monotype]" charset="0"/>
                 <a:ea typeface="Sans Serif" charset="0"/>
               </a:rPr>
-              <a:t>tmp_solution = generate_solution()</a:t>
+              <a:t>tmp_solution = </a:t>
+            </a:r>
+            <a:r>
+              <a:rPr lang="x-none" sz="1200">
+                <a:solidFill>
+                  <a:srgbClr val="D5D583"/>
+                </a:solidFill>
+                <a:latin typeface="Noto Sans [monotype]" charset="0"/>
+                <a:ea typeface="Sans Serif" charset="0"/>
+              </a:rPr>
+              <a:t>generate_solution</a:t>
+            </a:r>
+            <a:r>
+              <a:rPr lang="x-none" sz="1200">
+                <a:solidFill>
+                  <a:schemeClr val="bg1"/>
+                </a:solidFill>
+                <a:latin typeface="Noto Sans [monotype]" charset="0"/>
+                <a:ea typeface="Sans Serif" charset="0"/>
+              </a:rPr>
+              <a:t>()</a:t>
             </a:r>
             <a:endParaRPr lang="x-none" sz="1200">
               <a:solidFill>
-                <a:srgbClr val="2980B9"/>
+                <a:schemeClr val="bg1"/>
               </a:solidFill>
               <a:latin typeface="Noto Sans [monotype]" charset="0"/>
               <a:ea typeface="Sans Serif" charset="0"/>
@@ -6208,16 +6213,36 @@
             <a:r>
               <a:rPr lang="x-none" sz="1200">
                 <a:solidFill>
-                  <a:srgbClr val="2980B9"/>
+                  <a:schemeClr val="bg1"/>
                 </a:solidFill>
                 <a:latin typeface="Noto Sans [monotype]" charset="0"/>
                 <a:ea typeface="Sans Serif" charset="0"/>
               </a:rPr>
-              <a:t>tmp_result = evaluate(tmp_solution)</a:t>
+              <a:t>tmp_result = </a:t>
+            </a:r>
+            <a:r>
+              <a:rPr lang="x-none" sz="1200">
+                <a:solidFill>
+                  <a:srgbClr val="D5D583"/>
+                </a:solidFill>
+                <a:latin typeface="Noto Sans [monotype]" charset="0"/>
+                <a:ea typeface="Sans Serif" charset="0"/>
+              </a:rPr>
+              <a:t>evaluate</a:t>
+            </a:r>
+            <a:r>
+              <a:rPr lang="x-none" sz="1200">
+                <a:solidFill>
+                  <a:schemeClr val="bg1"/>
+                </a:solidFill>
+                <a:latin typeface="Noto Sans [monotype]" charset="0"/>
+                <a:ea typeface="Sans Serif" charset="0"/>
+              </a:rPr>
+              <a:t>(tmp_solution)</a:t>
             </a:r>
             <a:endParaRPr lang="x-none" sz="1200">
               <a:solidFill>
-                <a:srgbClr val="2980B9"/>
+                <a:schemeClr val="bg1"/>
               </a:solidFill>
               <a:latin typeface="Noto Sans [monotype]" charset="0"/>
               <a:ea typeface="Sans Serif" charset="0"/>
@@ -6237,7 +6262,7 @@
             <a:r>
               <a:rPr lang="x-none" sz="1200">
                 <a:solidFill>
-                  <a:srgbClr val="2980B9"/>
+                  <a:srgbClr val="D5D583"/>
                 </a:solidFill>
                 <a:latin typeface="Noto Sans [monotype]" charset="0"/>
                 <a:ea typeface="Sans Serif" charset="0"/>
@@ -6246,7 +6271,7 @@
             </a:r>
             <a:endParaRPr lang="x-none" sz="1200">
               <a:solidFill>
-                <a:srgbClr val="2980B9"/>
+                <a:srgbClr val="D5D583"/>
               </a:solidFill>
               <a:latin typeface="Noto Sans [monotype]" charset="0"/>
               <a:ea typeface="Sans Serif" charset="0"/>
@@ -6266,16 +6291,36 @@
             <a:r>
               <a:rPr lang="x-none" sz="1200">
                 <a:solidFill>
-                  <a:srgbClr val="2980B9"/>
+                  <a:schemeClr val="bg1"/>
                 </a:solidFill>
                 <a:latin typeface="Noto Sans [monotype]" charset="0"/>
                 <a:ea typeface="Sans Serif" charset="0"/>
               </a:rPr>
-              <a:t>	new_solution = modif(tmp_solution)</a:t>
+              <a:t>	new_solution = </a:t>
+            </a:r>
+            <a:r>
+              <a:rPr lang="x-none" sz="1200">
+                <a:solidFill>
+                  <a:srgbClr val="D5D583"/>
+                </a:solidFill>
+                <a:latin typeface="Noto Sans [monotype]" charset="0"/>
+                <a:ea typeface="Sans Serif" charset="0"/>
+              </a:rPr>
+              <a:t>modif</a:t>
+            </a:r>
+            <a:r>
+              <a:rPr lang="x-none" sz="1200">
+                <a:solidFill>
+                  <a:schemeClr val="bg1"/>
+                </a:solidFill>
+                <a:latin typeface="Noto Sans [monotype]" charset="0"/>
+                <a:ea typeface="Sans Serif" charset="0"/>
+              </a:rPr>
+              <a:t>(tmp_solution)</a:t>
             </a:r>
             <a:endParaRPr lang="x-none" sz="1200">
               <a:solidFill>
-                <a:srgbClr val="2980B9"/>
+                <a:schemeClr val="bg1"/>
               </a:solidFill>
               <a:latin typeface="Noto Sans [monotype]" charset="0"/>
               <a:ea typeface="Sans Serif" charset="0"/>
@@ -6295,16 +6340,36 @@
             <a:r>
               <a:rPr lang="x-none" sz="1200">
                 <a:solidFill>
-                  <a:srgbClr val="2980B9"/>
+                  <a:schemeClr val="bg1"/>
                 </a:solidFill>
                 <a:latin typeface="Noto Sans [monotype]" charset="0"/>
                 <a:ea typeface="Sans Serif" charset="0"/>
               </a:rPr>
-              <a:t>	new_result = evaluate(new_solution)</a:t>
+              <a:t>	new_result = </a:t>
+            </a:r>
+            <a:r>
+              <a:rPr lang="x-none" sz="1200">
+                <a:solidFill>
+                  <a:srgbClr val="D5D583"/>
+                </a:solidFill>
+                <a:latin typeface="Noto Sans [monotype]" charset="0"/>
+                <a:ea typeface="Sans Serif" charset="0"/>
+              </a:rPr>
+              <a:t>evaluate</a:t>
+            </a:r>
+            <a:r>
+              <a:rPr lang="x-none" sz="1200">
+                <a:solidFill>
+                  <a:schemeClr val="bg1"/>
+                </a:solidFill>
+                <a:latin typeface="Noto Sans [monotype]" charset="0"/>
+                <a:ea typeface="Sans Serif" charset="0"/>
+              </a:rPr>
+              <a:t>(new_solution)</a:t>
             </a:r>
             <a:endParaRPr lang="x-none" sz="1200">
               <a:solidFill>
-                <a:srgbClr val="2980B9"/>
+                <a:schemeClr val="bg1"/>
               </a:solidFill>
               <a:latin typeface="Noto Sans [monotype]" charset="0"/>
               <a:ea typeface="Sans Serif" charset="0"/>
@@ -6323,7 +6388,7 @@
             </a:pPr>
             <a:endParaRPr lang="x-none" sz="1200">
               <a:solidFill>
-                <a:srgbClr val="2980B9"/>
+                <a:schemeClr val="bg1"/>
               </a:solidFill>
               <a:latin typeface="Noto Sans [monotype]" charset="0"/>
               <a:ea typeface="Sans Serif" charset="0"/>
@@ -6343,16 +6408,36 @@
             <a:r>
               <a:rPr lang="x-none" sz="1200">
                 <a:solidFill>
-                  <a:srgbClr val="2980B9"/>
+                  <a:schemeClr val="bg1"/>
                 </a:solidFill>
                 <a:latin typeface="Noto Sans [monotype]" charset="0"/>
                 <a:ea typeface="Sans Serif" charset="0"/>
               </a:rPr>
-              <a:t>	if(new_result &gt; tmp_result)</a:t>
+              <a:t>	</a:t>
+            </a:r>
+            <a:r>
+              <a:rPr lang="x-none" sz="1200">
+                <a:solidFill>
+                  <a:srgbClr val="D5D583"/>
+                </a:solidFill>
+                <a:latin typeface="Noto Sans [monotype]" charset="0"/>
+                <a:ea typeface="Sans Serif" charset="0"/>
+              </a:rPr>
+              <a:t>if </a:t>
+            </a:r>
+            <a:r>
+              <a:rPr lang="x-none" sz="1200">
+                <a:solidFill>
+                  <a:schemeClr val="bg1"/>
+                </a:solidFill>
+                <a:latin typeface="Noto Sans [monotype]" charset="0"/>
+                <a:ea typeface="Sans Serif" charset="0"/>
+              </a:rPr>
+              <a:t>(new_result &gt; tmp_result)</a:t>
             </a:r>
             <a:endParaRPr lang="x-none" sz="1200">
               <a:solidFill>
-                <a:srgbClr val="2980B9"/>
+                <a:schemeClr val="bg1"/>
               </a:solidFill>
               <a:latin typeface="Noto Sans [monotype]" charset="0"/>
               <a:ea typeface="Sans Serif" charset="0"/>
@@ -6372,7 +6457,7 @@
             <a:r>
               <a:rPr lang="x-none" sz="1200">
                 <a:solidFill>
-                  <a:srgbClr val="2980B9"/>
+                  <a:schemeClr val="bg1"/>
                 </a:solidFill>
                 <a:latin typeface="Noto Sans [monotype]" charset="0"/>
                 <a:ea typeface="Sans Serif" charset="0"/>
@@ -6381,7 +6466,7 @@
             </a:r>
             <a:endParaRPr lang="x-none" sz="1200">
               <a:solidFill>
-                <a:srgbClr val="2980B9"/>
+                <a:schemeClr val="bg1"/>
               </a:solidFill>
               <a:latin typeface="Noto Sans [monotype]" charset="0"/>
               <a:ea typeface="Sans Serif" charset="0"/>
@@ -6401,7 +6486,7 @@
             <a:r>
               <a:rPr lang="x-none" sz="1200">
                 <a:solidFill>
-                  <a:srgbClr val="2980B9"/>
+                  <a:schemeClr val="bg1"/>
                 </a:solidFill>
                 <a:latin typeface="Noto Sans [monotype]" charset="0"/>
                 <a:ea typeface="Sans Serif" charset="0"/>
@@ -6410,7 +6495,7 @@
             </a:r>
             <a:endParaRPr lang="x-none" sz="1200">
               <a:solidFill>
-                <a:srgbClr val="2980B9"/>
+                <a:schemeClr val="bg1"/>
               </a:solidFill>
               <a:latin typeface="Noto Sans [monotype]" charset="0"/>
               <a:ea typeface="Sans Serif" charset="0"/>
@@ -6430,16 +6515,26 @@
             <a:r>
               <a:rPr lang="x-none" sz="1200">
                 <a:solidFill>
-                  <a:srgbClr val="2980B9"/>
+                  <a:schemeClr val="bg1"/>
                 </a:solidFill>
                 <a:latin typeface="Noto Sans [monotype]" charset="0"/>
                 <a:ea typeface="Sans Serif" charset="0"/>
               </a:rPr>
-              <a:t>	else</a:t>
+              <a:t>	</a:t>
+            </a:r>
+            <a:r>
+              <a:rPr lang="x-none" sz="1200">
+                <a:solidFill>
+                  <a:srgbClr val="D5D583"/>
+                </a:solidFill>
+                <a:latin typeface="Noto Sans [monotype]" charset="0"/>
+                <a:ea typeface="Sans Serif" charset="0"/>
+              </a:rPr>
+              <a:t>else</a:t>
             </a:r>
             <a:endParaRPr lang="x-none" sz="1200">
               <a:solidFill>
-                <a:srgbClr val="2980B9"/>
+                <a:srgbClr val="D5D583"/>
               </a:solidFill>
               <a:latin typeface="Noto Sans [monotype]" charset="0"/>
               <a:ea typeface="Sans Serif" charset="0"/>
@@ -6459,7 +6554,7 @@
             <a:r>
               <a:rPr lang="x-none" sz="1200">
                 <a:solidFill>
-                  <a:srgbClr val="2980B9"/>
+                  <a:schemeClr val="bg1"/>
                 </a:solidFill>
                 <a:latin typeface="Noto Sans [monotype]" charset="0"/>
                 <a:ea typeface="Sans Serif" charset="0"/>
@@ -6468,7 +6563,7 @@
             </a:r>
             <a:endParaRPr lang="x-none" sz="1200">
               <a:solidFill>
-                <a:srgbClr val="2980B9"/>
+                <a:schemeClr val="bg1"/>
               </a:solidFill>
               <a:latin typeface="Noto Sans [monotype]" charset="0"/>
               <a:ea typeface="Sans Serif" charset="0"/>
@@ -6488,16 +6583,36 @@
             <a:r>
               <a:rPr lang="x-none" sz="1200">
                 <a:solidFill>
-                  <a:srgbClr val="2980B9"/>
+                  <a:schemeClr val="bg1"/>
                 </a:solidFill>
                 <a:latin typeface="Noto Sans [monotype]" charset="0"/>
                 <a:ea typeface="Sans Serif" charset="0"/>
               </a:rPr>
-              <a:t>		e = exponential(D/T)</a:t>
+              <a:t>		e = </a:t>
+            </a:r>
+            <a:r>
+              <a:rPr lang="x-none" sz="1200">
+                <a:solidFill>
+                  <a:srgbClr val="D5D583"/>
+                </a:solidFill>
+                <a:latin typeface="Noto Sans [monotype]" charset="0"/>
+                <a:ea typeface="Sans Serif" charset="0"/>
+              </a:rPr>
+              <a:t>exponential</a:t>
+            </a:r>
+            <a:r>
+              <a:rPr lang="x-none" sz="1200">
+                <a:solidFill>
+                  <a:schemeClr val="bg1"/>
+                </a:solidFill>
+                <a:latin typeface="Noto Sans [monotype]" charset="0"/>
+                <a:ea typeface="Sans Serif" charset="0"/>
+              </a:rPr>
+              <a:t>(-D/T)</a:t>
             </a:r>
             <a:endParaRPr lang="x-none" sz="1200">
               <a:solidFill>
-                <a:srgbClr val="2980B9"/>
+                <a:schemeClr val="bg1"/>
               </a:solidFill>
               <a:latin typeface="Noto Sans [monotype]" charset="0"/>
               <a:ea typeface="Sans Serif" charset="0"/>
@@ -6517,16 +6632,36 @@
             <a:r>
               <a:rPr lang="x-none" sz="1200">
                 <a:solidFill>
-                  <a:srgbClr val="2980B9"/>
+                  <a:schemeClr val="bg1"/>
                 </a:solidFill>
                 <a:latin typeface="Noto Sans [monotype]" charset="0"/>
                 <a:ea typeface="Sans Serif" charset="0"/>
               </a:rPr>
-              <a:t>		r = random()</a:t>
+              <a:t>		r = </a:t>
+            </a:r>
+            <a:r>
+              <a:rPr lang="x-none" sz="1200">
+                <a:solidFill>
+                  <a:srgbClr val="D5D583"/>
+                </a:solidFill>
+                <a:latin typeface="Noto Sans [monotype]" charset="0"/>
+                <a:ea typeface="Sans Serif" charset="0"/>
+              </a:rPr>
+              <a:t>random</a:t>
+            </a:r>
+            <a:r>
+              <a:rPr lang="x-none" sz="1200">
+                <a:solidFill>
+                  <a:schemeClr val="bg1"/>
+                </a:solidFill>
+                <a:latin typeface="Noto Sans [monotype]" charset="0"/>
+                <a:ea typeface="Sans Serif" charset="0"/>
+              </a:rPr>
+              <a:t>()</a:t>
             </a:r>
             <a:endParaRPr lang="x-none" sz="1200">
               <a:solidFill>
-                <a:srgbClr val="2980B9"/>
+                <a:schemeClr val="bg1"/>
               </a:solidFill>
               <a:latin typeface="Noto Sans [monotype]" charset="0"/>
               <a:ea typeface="Sans Serif" charset="0"/>
@@ -6546,17 +6681,37 @@
             <a:r>
               <a:rPr lang="x-none" sz="1200">
                 <a:solidFill>
-                  <a:srgbClr val="2980B9"/>
+                  <a:schemeClr val="bg1"/>
                 </a:solidFill>
                 <a:latin typeface="Noto Sans [monotype]" charset="0"/>
                 <a:ea typeface="Sans Serif" charset="0"/>
               </a:rPr>
-              <a:t>		if(e &gt; r)</a:t>
+              <a:t>		</a:t>
             </a:r>
             <a:r>
               <a:rPr lang="x-none" sz="1200">
                 <a:solidFill>
-                  <a:srgbClr val="2980B9"/>
+                  <a:srgbClr val="D5D583"/>
+                </a:solidFill>
+                <a:latin typeface="Noto Sans [monotype]" charset="0"/>
+                <a:ea typeface="Sans Serif" charset="0"/>
+              </a:rPr>
+              <a:t>if</a:t>
+            </a:r>
+            <a:r>
+              <a:rPr lang="x-none" sz="1200">
+                <a:solidFill>
+                  <a:schemeClr val="bg1"/>
+                </a:solidFill>
+                <a:latin typeface="Noto Sans [monotype]" charset="0"/>
+                <a:ea typeface="Sans Serif" charset="0"/>
+              </a:rPr>
+              <a:t> (e &gt; r)</a:t>
+            </a:r>
+            <a:r>
+              <a:rPr lang="x-none" sz="1200">
+                <a:solidFill>
+                  <a:schemeClr val="bg1"/>
                 </a:solidFill>
                 <a:latin typeface="Noto Sans [monotype]" charset="0"/>
                 <a:ea typeface="Sans Serif" charset="0"/>
@@ -6566,7 +6721,7 @@
             </a:r>
             <a:endParaRPr lang="x-none" sz="1200">
               <a:solidFill>
-                <a:srgbClr val="2980B9"/>
+                <a:schemeClr val="bg1"/>
               </a:solidFill>
               <a:latin typeface="Noto Sans [monotype]" charset="0"/>
               <a:ea typeface="Sans Serif" charset="0"/>
@@ -6587,17 +6742,39 @@
             <a:r>
               <a:rPr lang="x-none" sz="1200">
                 <a:solidFill>
-                  <a:srgbClr val="2980B9"/>
+                  <a:schemeClr val="bg1"/>
                 </a:solidFill>
                 <a:latin typeface="Noto Sans [monotype]" charset="0"/>
                 <a:ea typeface="Sans Serif" charset="0"/>
                 <a:sym typeface="+mn-ea"/>
               </a:rPr>
-              <a:t>			new_solution = modif(tmp_solution)</a:t>
+              <a:t>			new_solution = </a:t>
+            </a:r>
+            <a:r>
+              <a:rPr lang="x-none" sz="1200">
+                <a:solidFill>
+                  <a:srgbClr val="D5D583"/>
+                </a:solidFill>
+                <a:latin typeface="Noto Sans [monotype]" charset="0"/>
+                <a:ea typeface="Sans Serif" charset="0"/>
+                <a:sym typeface="+mn-ea"/>
+              </a:rPr>
+              <a:t>modif</a:t>
+            </a:r>
+            <a:r>
+              <a:rPr lang="x-none" sz="1200">
+                <a:solidFill>
+                  <a:schemeClr val="bg1"/>
+                </a:solidFill>
+                <a:latin typeface="Noto Sans [monotype]" charset="0"/>
+                <a:ea typeface="Sans Serif" charset="0"/>
+                <a:sym typeface="+mn-ea"/>
+              </a:rPr>
+              <a:t>(tmp_solution)</a:t>
             </a:r>
             <a:endParaRPr lang="x-none" sz="1200">
               <a:solidFill>
-                <a:srgbClr val="2980B9"/>
+                <a:schemeClr val="bg1"/>
               </a:solidFill>
               <a:latin typeface="Noto Sans [monotype]" charset="0"/>
               <a:ea typeface="Sans Serif" charset="0"/>
@@ -6618,17 +6795,39 @@
             <a:r>
               <a:rPr lang="x-none" sz="1200">
                 <a:solidFill>
-                  <a:srgbClr val="2980B9"/>
+                  <a:schemeClr val="bg1"/>
                 </a:solidFill>
                 <a:latin typeface="Noto Sans [monotype]" charset="0"/>
                 <a:ea typeface="Sans Serif" charset="0"/>
                 <a:sym typeface="+mn-ea"/>
               </a:rPr>
-              <a:t>			new_result = evaluate(new_solution)</a:t>
+              <a:t>			new_result = </a:t>
+            </a:r>
+            <a:r>
+              <a:rPr lang="x-none" sz="1200">
+                <a:solidFill>
+                  <a:srgbClr val="D5D583"/>
+                </a:solidFill>
+                <a:latin typeface="Noto Sans [monotype]" charset="0"/>
+                <a:ea typeface="Sans Serif" charset="0"/>
+                <a:sym typeface="+mn-ea"/>
+              </a:rPr>
+              <a:t>evaluate</a:t>
+            </a:r>
+            <a:r>
+              <a:rPr lang="x-none" sz="1200">
+                <a:solidFill>
+                  <a:schemeClr val="bg1"/>
+                </a:solidFill>
+                <a:latin typeface="Noto Sans [monotype]" charset="0"/>
+                <a:ea typeface="Sans Serif" charset="0"/>
+                <a:sym typeface="+mn-ea"/>
+              </a:rPr>
+              <a:t>(new_solution)</a:t>
             </a:r>
             <a:endParaRPr lang="x-none" sz="1200">
               <a:solidFill>
-                <a:srgbClr val="2980B9"/>
+                <a:schemeClr val="bg1"/>
               </a:solidFill>
               <a:latin typeface="Noto Sans [monotype]" charset="0"/>
               <a:ea typeface="Sans Serif" charset="0"/>
@@ -6649,7 +6848,7 @@
             <a:r>
               <a:rPr lang="x-none" sz="1200">
                 <a:solidFill>
-                  <a:srgbClr val="2980B9"/>
+                  <a:schemeClr val="bg1"/>
                 </a:solidFill>
                 <a:latin typeface="Noto Sans [monotype]" charset="0"/>
                 <a:ea typeface="Sans Serif" charset="0"/>
@@ -6659,7 +6858,7 @@
             </a:r>
             <a:endParaRPr lang="x-none" sz="1200">
               <a:solidFill>
-                <a:srgbClr val="2980B9"/>
+                <a:schemeClr val="bg1"/>
               </a:solidFill>
               <a:latin typeface="Noto Sans [monotype]" charset="0"/>
               <a:ea typeface="Sans Serif" charset="0"/>
@@ -6680,7 +6879,7 @@
             <a:r>
               <a:rPr lang="x-none" sz="1200">
                 <a:solidFill>
-                  <a:srgbClr val="2980B9"/>
+                  <a:schemeClr val="bg1"/>
                 </a:solidFill>
                 <a:latin typeface="Noto Sans [monotype]" charset="0"/>
                 <a:ea typeface="Sans Serif" charset="0"/>
@@ -6690,7 +6889,7 @@
             </a:r>
             <a:endParaRPr lang="x-none" sz="1200">
               <a:solidFill>
-                <a:srgbClr val="2980B9"/>
+                <a:schemeClr val="bg1"/>
               </a:solidFill>
               <a:latin typeface="Noto Sans [monotype]" charset="0"/>
               <a:ea typeface="Sans Serif" charset="0"/>
@@ -6711,7 +6910,7 @@
             <a:r>
               <a:rPr lang="x-none" sz="1200">
                 <a:solidFill>
-                  <a:srgbClr val="2980B9"/>
+                  <a:srgbClr val="D5D583"/>
                 </a:solidFill>
                 <a:latin typeface="Noto Sans [monotype]" charset="0"/>
                 <a:ea typeface="Sans Serif" charset="0"/>
@@ -6720,7 +6919,7 @@
             </a:r>
             <a:endParaRPr lang="x-none" sz="1200">
               <a:solidFill>
-                <a:srgbClr val="2980B9"/>
+                <a:srgbClr val="D5D583"/>
               </a:solidFill>
               <a:latin typeface="Noto Sans [monotype]" charset="0"/>
               <a:ea typeface="Sans Serif" charset="0"/>
@@ -6739,7 +6938,7 @@
             </a:pPr>
             <a:endParaRPr lang="x-none" sz="1200">
               <a:solidFill>
-                <a:srgbClr val="2980B9"/>
+                <a:schemeClr val="bg1"/>
               </a:solidFill>
               <a:latin typeface="Noto Sans [monotype]" charset="0"/>
               <a:ea typeface="Sans Serif" charset="0"/>
@@ -6758,7 +6957,7 @@
             </a:pPr>
             <a:endParaRPr lang="x-none" sz="1200">
               <a:solidFill>
-                <a:srgbClr val="2980B9"/>
+                <a:schemeClr val="bg1"/>
               </a:solidFill>
               <a:latin typeface="Noto Sans [monotype]" charset="0"/>
               <a:ea typeface="Sans Serif" charset="0"/>
@@ -6777,7 +6976,7 @@
             </a:pPr>
             <a:endParaRPr lang="x-none" sz="1200">
               <a:solidFill>
-                <a:srgbClr val="2980B9"/>
+                <a:schemeClr val="bg1"/>
               </a:solidFill>
               <a:latin typeface="Noto Sans [monotype]" charset="0"/>
               <a:ea typeface="Sans Serif" charset="0"/>
@@ -8494,7 +8693,7 @@
                         <p:par>
                           <p:cTn id="87" fill="hold">
                             <p:stCondLst>
-                              <p:cond delay="1160"/>
+                              <p:cond delay="1200"/>
                             </p:stCondLst>
                             <p:childTnLst>
                               <p:par>
@@ -8617,7 +8816,7 @@
                         <p:par>
                           <p:cTn id="93" fill="hold">
                             <p:stCondLst>
-                              <p:cond delay="2360"/>
+                              <p:cond delay="2400"/>
                             </p:stCondLst>
                             <p:childTnLst>
                               <p:par>
@@ -9118,7 +9317,7 @@
                         <p:par>
                           <p:cTn id="118" fill="hold">
                             <p:stCondLst>
-                              <p:cond delay="2360"/>
+                              <p:cond delay="2400"/>
                             </p:stCondLst>
                             <p:childTnLst>
                               <p:par>
@@ -9373,7 +9572,7 @@
                         <p:par>
                           <p:cTn id="131" fill="hold">
                             <p:stCondLst>
-                              <p:cond delay="520"/>
+                              <p:cond delay="560"/>
                             </p:stCondLst>
                             <p:childTnLst>
                               <p:par>
@@ -9496,7 +9695,7 @@
                         <p:par>
                           <p:cTn id="137" fill="hold">
                             <p:stCondLst>
-                              <p:cond delay="2040"/>
+                              <p:cond delay="2080"/>
                             </p:stCondLst>
                             <p:childTnLst>
                               <p:par>
